--- a/PneumoniaPresentation.pptx
+++ b/PneumoniaPresentation.pptx
@@ -5,7 +5,7 @@
     <p:sldMasterId id="2147483756" r:id="rId1"/>
   </p:sldMasterIdLst>
   <p:notesMasterIdLst>
-    <p:notesMasterId r:id="rId11"/>
+    <p:notesMasterId r:id="rId12"/>
   </p:notesMasterIdLst>
   <p:sldIdLst>
     <p:sldId id="256" r:id="rId2"/>
@@ -17,6 +17,7 @@
     <p:sldId id="261" r:id="rId8"/>
     <p:sldId id="262" r:id="rId9"/>
     <p:sldId id="263" r:id="rId10"/>
+    <p:sldId id="265" r:id="rId11"/>
   </p:sldIdLst>
   <p:sldSz cx="12192000" cy="6858000"/>
   <p:notesSz cx="6858000" cy="9144000"/>
@@ -898,42 +899,6 @@
       </dgm:t>
     </dgm:pt>
     <dgm:pt modelId="{0ACF388A-B4B1-494F-BA61-AE0A9F7C2252}" type="sibTrans" cxnId="{D6B7761A-AC7E-0640-BB3F-4DA02040E431}">
-      <dgm:prSet/>
-      <dgm:spPr/>
-      <dgm:t>
-        <a:bodyPr/>
-        <a:lstStyle/>
-        <a:p>
-          <a:endParaRPr lang="en-US"/>
-        </a:p>
-      </dgm:t>
-    </dgm:pt>
-    <dgm:pt modelId="{854EC52C-D846-7748-A7FD-7AB4105370EB}">
-      <dgm:prSet phldrT="[Text]"/>
-      <dgm:spPr/>
-      <dgm:t>
-        <a:bodyPr/>
-        <a:lstStyle/>
-        <a:p>
-          <a:r>
-            <a:rPr lang="en-US" dirty="0"/>
-            <a:t>2010/12</a:t>
-          </a:r>
-        </a:p>
-      </dgm:t>
-    </dgm:pt>
-    <dgm:pt modelId="{D6714FA6-5B99-004D-8861-5384B88DE7C9}" type="parTrans" cxnId="{8A2FF9AF-36B5-4440-9D77-9E8962327DC1}">
-      <dgm:prSet/>
-      <dgm:spPr/>
-      <dgm:t>
-        <a:bodyPr/>
-        <a:lstStyle/>
-        <a:p>
-          <a:endParaRPr lang="en-US"/>
-        </a:p>
-      </dgm:t>
-    </dgm:pt>
-    <dgm:pt modelId="{92D6C522-5795-BC4D-8CAA-5A253EE90492}" type="sibTrans" cxnId="{8A2FF9AF-36B5-4440-9D77-9E8962327DC1}">
       <dgm:prSet/>
       <dgm:spPr/>
       <dgm:t>
@@ -1063,7 +1028,7 @@
       <dgm:spPr/>
     </dgm:pt>
     <dgm:pt modelId="{81878C73-A0E5-B447-A032-70D217951139}" type="pres">
-      <dgm:prSet presAssocID="{947B1DCC-F5EA-7A46-AAD0-C45F3E03D31D}" presName="parTxOnly" presStyleLbl="node1" presStyleIdx="0" presStyleCnt="5">
+      <dgm:prSet presAssocID="{947B1DCC-F5EA-7A46-AAD0-C45F3E03D31D}" presName="parTxOnly" presStyleLbl="node1" presStyleIdx="0" presStyleCnt="4">
         <dgm:presLayoutVars>
           <dgm:chMax val="0"/>
           <dgm:chPref val="0"/>
@@ -1077,7 +1042,7 @@
       <dgm:spPr/>
     </dgm:pt>
     <dgm:pt modelId="{AE72FEDE-71FA-3544-9F97-2E56F4697866}" type="pres">
-      <dgm:prSet presAssocID="{797A0E0B-3C85-2D44-B6EF-C3E4FF409F20}" presName="parTxOnly" presStyleLbl="node1" presStyleIdx="1" presStyleCnt="5">
+      <dgm:prSet presAssocID="{797A0E0B-3C85-2D44-B6EF-C3E4FF409F20}" presName="parTxOnly" presStyleLbl="node1" presStyleIdx="1" presStyleCnt="4">
         <dgm:presLayoutVars>
           <dgm:chMax val="0"/>
           <dgm:chPref val="0"/>
@@ -1091,7 +1056,7 @@
       <dgm:spPr/>
     </dgm:pt>
     <dgm:pt modelId="{71CB9E34-C604-B643-BFB2-20B059116AE8}" type="pres">
-      <dgm:prSet presAssocID="{F397A6D5-0159-B840-9D44-F5BB3E28D38E}" presName="parTxOnly" presStyleLbl="node1" presStyleIdx="2" presStyleCnt="5">
+      <dgm:prSet presAssocID="{F397A6D5-0159-B840-9D44-F5BB3E28D38E}" presName="parTxOnly" presStyleLbl="node1" presStyleIdx="2" presStyleCnt="4">
         <dgm:presLayoutVars>
           <dgm:chMax val="0"/>
           <dgm:chPref val="0"/>
@@ -1104,22 +1069,8 @@
       <dgm:prSet presAssocID="{F47BD2A9-E970-F141-8336-11F939625089}" presName="parTxOnlySpace" presStyleCnt="0"/>
       <dgm:spPr/>
     </dgm:pt>
-    <dgm:pt modelId="{7B81268A-EB36-B04C-8677-39DB254F8032}" type="pres">
-      <dgm:prSet presAssocID="{854EC52C-D846-7748-A7FD-7AB4105370EB}" presName="parTxOnly" presStyleLbl="node1" presStyleIdx="3" presStyleCnt="5">
-        <dgm:presLayoutVars>
-          <dgm:chMax val="0"/>
-          <dgm:chPref val="0"/>
-          <dgm:bulletEnabled val="1"/>
-        </dgm:presLayoutVars>
-      </dgm:prSet>
-      <dgm:spPr/>
-    </dgm:pt>
-    <dgm:pt modelId="{CA728E94-1907-9644-B210-6EBE70269A6D}" type="pres">
-      <dgm:prSet presAssocID="{92D6C522-5795-BC4D-8CAA-5A253EE90492}" presName="parTxOnlySpace" presStyleCnt="0"/>
-      <dgm:spPr/>
-    </dgm:pt>
     <dgm:pt modelId="{D9AE41FF-C219-4D48-88FB-161F2AB6AFE8}" type="pres">
-      <dgm:prSet presAssocID="{2C2F2467-B59A-A444-A8CF-8ED2317F46F4}" presName="parTxOnly" presStyleLbl="node1" presStyleIdx="4" presStyleCnt="5">
+      <dgm:prSet presAssocID="{2C2F2467-B59A-A444-A8CF-8ED2317F46F4}" presName="parTxOnly" presStyleLbl="node1" presStyleIdx="3" presStyleCnt="4">
         <dgm:presLayoutVars>
           <dgm:chMax val="0"/>
           <dgm:chPref val="0"/>
@@ -1133,10 +1084,8 @@
     <dgm:cxn modelId="{D6B7761A-AC7E-0640-BB3F-4DA02040E431}" srcId="{CD93EF4B-FBB4-AA4D-9EC0-4C975DCF9974}" destId="{947B1DCC-F5EA-7A46-AAD0-C45F3E03D31D}" srcOrd="0" destOrd="0" parTransId="{ABDB6CFD-F44E-9248-ADEE-032BD355DCB2}" sibTransId="{0ACF388A-B4B1-494F-BA61-AE0A9F7C2252}"/>
     <dgm:cxn modelId="{CE6F322C-4A72-9E4A-B83D-8F32650D7F37}" srcId="{CD93EF4B-FBB4-AA4D-9EC0-4C975DCF9974}" destId="{797A0E0B-3C85-2D44-B6EF-C3E4FF409F20}" srcOrd="1" destOrd="0" parTransId="{94358402-2645-AE47-A09B-2BBCCFC5167F}" sibTransId="{FEFDFD6F-B320-404E-89FB-BE969DBBC1C6}"/>
     <dgm:cxn modelId="{54A4342F-CCD6-D44A-B8BF-3C075EACF79C}" type="presOf" srcId="{CD93EF4B-FBB4-AA4D-9EC0-4C975DCF9974}" destId="{3763E194-A718-C647-AE98-110D409A2EFD}" srcOrd="0" destOrd="0" presId="urn:microsoft.com/office/officeart/2005/8/layout/chevron1"/>
-    <dgm:cxn modelId="{BCBF963A-3FE4-BA4C-A8C3-37D08E8E9B3F}" type="presOf" srcId="{854EC52C-D846-7748-A7FD-7AB4105370EB}" destId="{7B81268A-EB36-B04C-8677-39DB254F8032}" srcOrd="0" destOrd="0" presId="urn:microsoft.com/office/officeart/2005/8/layout/chevron1"/>
     <dgm:cxn modelId="{36F14B78-3C97-5C4A-B595-FF084856406D}" type="presOf" srcId="{947B1DCC-F5EA-7A46-AAD0-C45F3E03D31D}" destId="{81878C73-A0E5-B447-A032-70D217951139}" srcOrd="0" destOrd="0" presId="urn:microsoft.com/office/officeart/2005/8/layout/chevron1"/>
-    <dgm:cxn modelId="{B70FA489-7688-BB49-8B3F-943A39169B01}" srcId="{CD93EF4B-FBB4-AA4D-9EC0-4C975DCF9974}" destId="{2C2F2467-B59A-A444-A8CF-8ED2317F46F4}" srcOrd="4" destOrd="0" parTransId="{C7B34CF6-B4E5-A34A-8F54-51920CE8C37F}" sibTransId="{A1B2862E-F8B2-9C4C-B91D-189CE1FD1109}"/>
-    <dgm:cxn modelId="{8A2FF9AF-36B5-4440-9D77-9E8962327DC1}" srcId="{CD93EF4B-FBB4-AA4D-9EC0-4C975DCF9974}" destId="{854EC52C-D846-7748-A7FD-7AB4105370EB}" srcOrd="3" destOrd="0" parTransId="{D6714FA6-5B99-004D-8861-5384B88DE7C9}" sibTransId="{92D6C522-5795-BC4D-8CAA-5A253EE90492}"/>
+    <dgm:cxn modelId="{B70FA489-7688-BB49-8B3F-943A39169B01}" srcId="{CD93EF4B-FBB4-AA4D-9EC0-4C975DCF9974}" destId="{2C2F2467-B59A-A444-A8CF-8ED2317F46F4}" srcOrd="3" destOrd="0" parTransId="{C7B34CF6-B4E5-A34A-8F54-51920CE8C37F}" sibTransId="{A1B2862E-F8B2-9C4C-B91D-189CE1FD1109}"/>
     <dgm:cxn modelId="{30008DB2-AFFD-154E-B504-5A5E16BACD85}" type="presOf" srcId="{F397A6D5-0159-B840-9D44-F5BB3E28D38E}" destId="{71CB9E34-C604-B643-BFB2-20B059116AE8}" srcOrd="0" destOrd="0" presId="urn:microsoft.com/office/officeart/2005/8/layout/chevron1"/>
     <dgm:cxn modelId="{BC4C7DD4-251D-1A47-971E-F5144BEAC3D1}" type="presOf" srcId="{797A0E0B-3C85-2D44-B6EF-C3E4FF409F20}" destId="{AE72FEDE-71FA-3544-9F97-2E56F4697866}" srcOrd="0" destOrd="0" presId="urn:microsoft.com/office/officeart/2005/8/layout/chevron1"/>
     <dgm:cxn modelId="{FC03C3EA-47C5-7C45-9893-222955BB014D}" type="presOf" srcId="{2C2F2467-B59A-A444-A8CF-8ED2317F46F4}" destId="{D9AE41FF-C219-4D48-88FB-161F2AB6AFE8}" srcOrd="0" destOrd="0" presId="urn:microsoft.com/office/officeart/2005/8/layout/chevron1"/>
@@ -1147,9 +1096,7 @@
     <dgm:cxn modelId="{1881D31B-EF35-AF4A-8C7B-E113782C17BA}" type="presParOf" srcId="{3763E194-A718-C647-AE98-110D409A2EFD}" destId="{3782C434-B8FB-2546-8B68-507EF7FD0A51}" srcOrd="3" destOrd="0" presId="urn:microsoft.com/office/officeart/2005/8/layout/chevron1"/>
     <dgm:cxn modelId="{29AC89E6-394D-784C-A2A6-06A42E1CD4A1}" type="presParOf" srcId="{3763E194-A718-C647-AE98-110D409A2EFD}" destId="{71CB9E34-C604-B643-BFB2-20B059116AE8}" srcOrd="4" destOrd="0" presId="urn:microsoft.com/office/officeart/2005/8/layout/chevron1"/>
     <dgm:cxn modelId="{91459070-A693-3A49-9A8A-C51B72592371}" type="presParOf" srcId="{3763E194-A718-C647-AE98-110D409A2EFD}" destId="{EFF8D420-8212-AA43-957D-BFCC0C3FFB2D}" srcOrd="5" destOrd="0" presId="urn:microsoft.com/office/officeart/2005/8/layout/chevron1"/>
-    <dgm:cxn modelId="{CD29C889-D40D-204D-B480-AA3FF13E20FD}" type="presParOf" srcId="{3763E194-A718-C647-AE98-110D409A2EFD}" destId="{7B81268A-EB36-B04C-8677-39DB254F8032}" srcOrd="6" destOrd="0" presId="urn:microsoft.com/office/officeart/2005/8/layout/chevron1"/>
-    <dgm:cxn modelId="{65085D14-9820-6B43-B160-D6514A9BFA94}" type="presParOf" srcId="{3763E194-A718-C647-AE98-110D409A2EFD}" destId="{CA728E94-1907-9644-B210-6EBE70269A6D}" srcOrd="7" destOrd="0" presId="urn:microsoft.com/office/officeart/2005/8/layout/chevron1"/>
-    <dgm:cxn modelId="{753DD0C8-B052-B143-96E5-A72D278140CF}" type="presParOf" srcId="{3763E194-A718-C647-AE98-110D409A2EFD}" destId="{D9AE41FF-C219-4D48-88FB-161F2AB6AFE8}" srcOrd="8" destOrd="0" presId="urn:microsoft.com/office/officeart/2005/8/layout/chevron1"/>
+    <dgm:cxn modelId="{753DD0C8-B052-B143-96E5-A72D278140CF}" type="presParOf" srcId="{3763E194-A718-C647-AE98-110D409A2EFD}" destId="{D9AE41FF-C219-4D48-88FB-161F2AB6AFE8}" srcOrd="6" destOrd="0" presId="urn:microsoft.com/office/officeart/2005/8/layout/chevron1"/>
   </dgm:cxnLst>
   <dgm:bg/>
   <dgm:whole/>
@@ -1176,8 +1123,8 @@
       </dsp:nvSpPr>
       <dsp:spPr>
         <a:xfrm>
-          <a:off x="2161" y="2324508"/>
-          <a:ext cx="1924126" cy="769650"/>
+          <a:off x="4107" y="338075"/>
+          <a:ext cx="2391105" cy="956442"/>
         </a:xfrm>
         <a:prstGeom prst="chevron">
           <a:avLst/>
@@ -1218,12 +1165,12 @@
         </a:fontRef>
       </dsp:style>
       <dsp:txBody>
-        <a:bodyPr spcFirstLastPara="0" vert="horz" wrap="square" lIns="96012" tIns="32004" rIns="32004" bIns="32004" numCol="1" spcCol="1270" anchor="ctr" anchorCtr="0">
+        <a:bodyPr spcFirstLastPara="0" vert="horz" wrap="square" lIns="152019" tIns="50673" rIns="50673" bIns="50673" numCol="1" spcCol="1270" anchor="ctr" anchorCtr="0">
           <a:noAutofit/>
         </a:bodyPr>
         <a:lstStyle/>
         <a:p>
-          <a:pPr marL="0" lvl="0" indent="0" algn="ctr" defTabSz="1066800">
+          <a:pPr marL="0" lvl="0" indent="0" algn="ctr" defTabSz="1689100">
             <a:lnSpc>
               <a:spcPct val="90000"/>
             </a:lnSpc>
@@ -1236,14 +1183,14 @@
             <a:buNone/>
           </a:pPr>
           <a:r>
-            <a:rPr lang="en-US" sz="2400" kern="1200" dirty="0"/>
+            <a:rPr lang="en-US" sz="3800" kern="1200" dirty="0"/>
             <a:t>1875</a:t>
           </a:r>
         </a:p>
       </dsp:txBody>
       <dsp:txXfrm>
-        <a:off x="386986" y="2324508"/>
-        <a:ext cx="1154476" cy="769650"/>
+        <a:off x="482328" y="338075"/>
+        <a:ext cx="1434663" cy="956442"/>
       </dsp:txXfrm>
     </dsp:sp>
     <dsp:sp modelId="{AE72FEDE-71FA-3544-9F97-2E56F4697866}">
@@ -1253,8 +1200,8 @@
       </dsp:nvSpPr>
       <dsp:spPr>
         <a:xfrm>
-          <a:off x="1733876" y="2324508"/>
-          <a:ext cx="1924126" cy="769650"/>
+          <a:off x="2156102" y="338075"/>
+          <a:ext cx="2391105" cy="956442"/>
         </a:xfrm>
         <a:prstGeom prst="chevron">
           <a:avLst/>
@@ -1295,12 +1242,12 @@
         </a:fontRef>
       </dsp:style>
       <dsp:txBody>
-        <a:bodyPr spcFirstLastPara="0" vert="horz" wrap="square" lIns="96012" tIns="32004" rIns="32004" bIns="32004" numCol="1" spcCol="1270" anchor="ctr" anchorCtr="0">
+        <a:bodyPr spcFirstLastPara="0" vert="horz" wrap="square" lIns="152019" tIns="50673" rIns="50673" bIns="50673" numCol="1" spcCol="1270" anchor="ctr" anchorCtr="0">
           <a:noAutofit/>
         </a:bodyPr>
         <a:lstStyle/>
         <a:p>
-          <a:pPr marL="0" lvl="0" indent="0" algn="ctr" defTabSz="1066800">
+          <a:pPr marL="0" lvl="0" indent="0" algn="ctr" defTabSz="1689100">
             <a:lnSpc>
               <a:spcPct val="90000"/>
             </a:lnSpc>
@@ -1313,14 +1260,14 @@
             <a:buNone/>
           </a:pPr>
           <a:r>
-            <a:rPr lang="en-US" sz="2400" kern="1200" dirty="0"/>
+            <a:rPr lang="en-US" sz="3800" kern="1200" dirty="0"/>
             <a:t>1881</a:t>
           </a:r>
         </a:p>
       </dsp:txBody>
       <dsp:txXfrm>
-        <a:off x="2118701" y="2324508"/>
-        <a:ext cx="1154476" cy="769650"/>
+        <a:off x="2634323" y="338075"/>
+        <a:ext cx="1434663" cy="956442"/>
       </dsp:txXfrm>
     </dsp:sp>
     <dsp:sp modelId="{71CB9E34-C604-B643-BFB2-20B059116AE8}">
@@ -1330,8 +1277,8 @@
       </dsp:nvSpPr>
       <dsp:spPr>
         <a:xfrm>
-          <a:off x="3465590" y="2324508"/>
-          <a:ext cx="1924126" cy="769650"/>
+          <a:off x="4308098" y="338075"/>
+          <a:ext cx="2391105" cy="956442"/>
         </a:xfrm>
         <a:prstGeom prst="chevron">
           <a:avLst/>
@@ -1372,12 +1319,12 @@
         </a:fontRef>
       </dsp:style>
       <dsp:txBody>
-        <a:bodyPr spcFirstLastPara="0" vert="horz" wrap="square" lIns="96012" tIns="32004" rIns="32004" bIns="32004" numCol="1" spcCol="1270" anchor="ctr" anchorCtr="0">
+        <a:bodyPr spcFirstLastPara="0" vert="horz" wrap="square" lIns="152019" tIns="50673" rIns="50673" bIns="50673" numCol="1" spcCol="1270" anchor="ctr" anchorCtr="0">
           <a:noAutofit/>
         </a:bodyPr>
         <a:lstStyle/>
         <a:p>
-          <a:pPr marL="0" lvl="0" indent="0" algn="ctr" defTabSz="1066800">
+          <a:pPr marL="0" lvl="0" indent="0" algn="ctr" defTabSz="1689100">
             <a:lnSpc>
               <a:spcPct val="90000"/>
             </a:lnSpc>
@@ -1390,25 +1337,25 @@
             <a:buNone/>
           </a:pPr>
           <a:r>
-            <a:rPr lang="en-US" sz="2400" kern="1200" dirty="0"/>
+            <a:rPr lang="en-US" sz="3800" kern="1200" dirty="0"/>
             <a:t>1930’s</a:t>
           </a:r>
         </a:p>
       </dsp:txBody>
       <dsp:txXfrm>
-        <a:off x="3850415" y="2324508"/>
-        <a:ext cx="1154476" cy="769650"/>
+        <a:off x="4786319" y="338075"/>
+        <a:ext cx="1434663" cy="956442"/>
       </dsp:txXfrm>
     </dsp:sp>
-    <dsp:sp modelId="{7B81268A-EB36-B04C-8677-39DB254F8032}">
+    <dsp:sp modelId="{D9AE41FF-C219-4D48-88FB-161F2AB6AFE8}">
       <dsp:nvSpPr>
         <dsp:cNvPr id="0" name=""/>
         <dsp:cNvSpPr/>
       </dsp:nvSpPr>
       <dsp:spPr>
         <a:xfrm>
-          <a:off x="5197304" y="2324508"/>
-          <a:ext cx="1924126" cy="769650"/>
+          <a:off x="6460093" y="338075"/>
+          <a:ext cx="2391105" cy="956442"/>
         </a:xfrm>
         <a:prstGeom prst="chevron">
           <a:avLst/>
@@ -1449,12 +1396,12 @@
         </a:fontRef>
       </dsp:style>
       <dsp:txBody>
-        <a:bodyPr spcFirstLastPara="0" vert="horz" wrap="square" lIns="96012" tIns="32004" rIns="32004" bIns="32004" numCol="1" spcCol="1270" anchor="ctr" anchorCtr="0">
+        <a:bodyPr spcFirstLastPara="0" vert="horz" wrap="square" lIns="152019" tIns="50673" rIns="50673" bIns="50673" numCol="1" spcCol="1270" anchor="ctr" anchorCtr="0">
           <a:noAutofit/>
         </a:bodyPr>
         <a:lstStyle/>
         <a:p>
-          <a:pPr marL="0" lvl="0" indent="0" algn="ctr" defTabSz="1066800">
+          <a:pPr marL="0" lvl="0" indent="0" algn="ctr" defTabSz="1689100">
             <a:lnSpc>
               <a:spcPct val="90000"/>
             </a:lnSpc>
@@ -1467,91 +1414,14 @@
             <a:buNone/>
           </a:pPr>
           <a:r>
-            <a:rPr lang="en-US" sz="2400" kern="1200" dirty="0"/>
-            <a:t>2010/12</a:t>
-          </a:r>
-        </a:p>
-      </dsp:txBody>
-      <dsp:txXfrm>
-        <a:off x="5582129" y="2324508"/>
-        <a:ext cx="1154476" cy="769650"/>
-      </dsp:txXfrm>
-    </dsp:sp>
-    <dsp:sp modelId="{D9AE41FF-C219-4D48-88FB-161F2AB6AFE8}">
-      <dsp:nvSpPr>
-        <dsp:cNvPr id="0" name=""/>
-        <dsp:cNvSpPr/>
-      </dsp:nvSpPr>
-      <dsp:spPr>
-        <a:xfrm>
-          <a:off x="6929018" y="2324508"/>
-          <a:ext cx="1924126" cy="769650"/>
-        </a:xfrm>
-        <a:prstGeom prst="chevron">
-          <a:avLst/>
-        </a:prstGeom>
-        <a:solidFill>
-          <a:schemeClr val="accent1">
-            <a:hueOff val="0"/>
-            <a:satOff val="0"/>
-            <a:lumOff val="0"/>
-            <a:alphaOff val="0"/>
-          </a:schemeClr>
-        </a:solidFill>
-        <a:ln w="12700" cap="flat" cmpd="sng" algn="ctr">
-          <a:solidFill>
-            <a:schemeClr val="lt1">
-              <a:hueOff val="0"/>
-              <a:satOff val="0"/>
-              <a:lumOff val="0"/>
-              <a:alphaOff val="0"/>
-            </a:schemeClr>
-          </a:solidFill>
-          <a:prstDash val="solid"/>
-        </a:ln>
-        <a:effectLst/>
-      </dsp:spPr>
-      <dsp:style>
-        <a:lnRef idx="2">
-          <a:scrgbClr r="0" g="0" b="0"/>
-        </a:lnRef>
-        <a:fillRef idx="1">
-          <a:scrgbClr r="0" g="0" b="0"/>
-        </a:fillRef>
-        <a:effectRef idx="0">
-          <a:scrgbClr r="0" g="0" b="0"/>
-        </a:effectRef>
-        <a:fontRef idx="minor">
-          <a:schemeClr val="lt1"/>
-        </a:fontRef>
-      </dsp:style>
-      <dsp:txBody>
-        <a:bodyPr spcFirstLastPara="0" vert="horz" wrap="square" lIns="96012" tIns="32004" rIns="32004" bIns="32004" numCol="1" spcCol="1270" anchor="ctr" anchorCtr="0">
-          <a:noAutofit/>
-        </a:bodyPr>
-        <a:lstStyle/>
-        <a:p>
-          <a:pPr marL="0" lvl="0" indent="0" algn="ctr" defTabSz="1066800">
-            <a:lnSpc>
-              <a:spcPct val="90000"/>
-            </a:lnSpc>
-            <a:spcBef>
-              <a:spcPct val="0"/>
-            </a:spcBef>
-            <a:spcAft>
-              <a:spcPct val="35000"/>
-            </a:spcAft>
-            <a:buNone/>
-          </a:pPr>
-          <a:r>
-            <a:rPr lang="en-US" sz="2400" kern="1200" dirty="0"/>
+            <a:rPr lang="en-US" sz="3800" kern="1200" dirty="0"/>
             <a:t>2013</a:t>
           </a:r>
         </a:p>
       </dsp:txBody>
       <dsp:txXfrm>
-        <a:off x="7313843" y="2324508"/>
-        <a:ext cx="1154476" cy="769650"/>
+        <a:off x="6938314" y="338075"/>
+        <a:ext cx="1434663" cy="956442"/>
       </dsp:txXfrm>
     </dsp:sp>
   </dsp:spTree>
@@ -3298,7 +3168,7 @@
                 <a:ea typeface="+mn-ea"/>
                 <a:cs typeface="+mn-cs"/>
               </a:rPr>
-              <a:t>1881 pneumonia known as it own infection. Edwin </a:t>
+              <a:t>1875 Edwin </a:t>
             </a:r>
             <a:r>
               <a:rPr lang="en-US" sz="1200" b="0" i="0" kern="1200" dirty="0" err="1">
@@ -3322,11 +3192,11 @@
                 <a:ea typeface="+mn-ea"/>
                 <a:cs typeface="+mn-cs"/>
               </a:rPr>
-              <a:t> first saw bacteria in the airways. </a:t>
-            </a:r>
-          </a:p>
-          <a:p>
-            <a:pPr marL="685800" lvl="1" indent="-228600">
+              <a:t> first saw bacteria in the airways. It w as later discovered that this bacteria led to Pneumonia.</a:t>
+            </a:r>
+          </a:p>
+          <a:p>
+            <a:pPr marL="228600" indent="-228600">
               <a:buAutoNum type="arabicPeriod"/>
             </a:pPr>
             <a:r>
@@ -3339,7 +3209,7 @@
                 <a:ea typeface="+mn-ea"/>
                 <a:cs typeface="+mn-cs"/>
               </a:rPr>
-              <a:t>It was later discovered that this bacteria led to Pneumonia.</a:t>
+              <a:t>1881 Louis Pasteur and George Sternberg discovered the bacteria associated with pneumonia cases. </a:t>
             </a:r>
           </a:p>
           <a:p>
@@ -3358,6 +3228,57 @@
               </a:rPr>
               <a:t>1930-1940 ways to handle the ailment were discovered.</a:t>
             </a:r>
+          </a:p>
+          <a:p>
+            <a:pPr marL="228600" lvl="0" indent="-228600">
+              <a:buAutoNum type="arabicPeriod"/>
+            </a:pPr>
+            <a:r>
+              <a:rPr lang="en-US" sz="1200" b="0" i="0" kern="1200" dirty="0">
+                <a:solidFill>
+                  <a:schemeClr val="tx1"/>
+                </a:solidFill>
+                <a:effectLst/>
+                <a:latin typeface="+mn-lt"/>
+                <a:ea typeface="+mn-ea"/>
+                <a:cs typeface="+mn-cs"/>
+              </a:rPr>
+              <a:t>In 2010, $17 Billion was spent on pneumonia itself globally.</a:t>
+            </a:r>
+          </a:p>
+          <a:p>
+            <a:pPr marL="228600" lvl="0" indent="-228600">
+              <a:buAutoNum type="arabicPeriod"/>
+            </a:pPr>
+            <a:r>
+              <a:rPr lang="en-US" sz="1200" b="0" i="0" kern="1200" dirty="0">
+                <a:solidFill>
+                  <a:schemeClr val="tx1"/>
+                </a:solidFill>
+                <a:effectLst/>
+                <a:latin typeface="+mn-lt"/>
+                <a:ea typeface="+mn-ea"/>
+                <a:cs typeface="+mn-cs"/>
+              </a:rPr>
+              <a:t>The United States estimates that it would take about $20 Billion more to help find a very accurate cure and eventual end to Pneumonia.</a:t>
+            </a:r>
+          </a:p>
+          <a:p>
+            <a:pPr marL="228600" lvl="0" indent="-228600">
+              <a:buAutoNum type="arabicPeriod"/>
+            </a:pPr>
+            <a:r>
+              <a:rPr lang="en-US" sz="1200" b="0" i="0" kern="1200" dirty="0">
+                <a:solidFill>
+                  <a:schemeClr val="tx1"/>
+                </a:solidFill>
+                <a:effectLst/>
+                <a:latin typeface="+mn-lt"/>
+                <a:ea typeface="+mn-ea"/>
+                <a:cs typeface="+mn-cs"/>
+              </a:rPr>
+              <a:t>A new prediction model with promising results to cure Pneumonia. </a:t>
+            </a:r>
             <a:endParaRPr lang="en-US" dirty="0"/>
           </a:p>
         </p:txBody>
@@ -3389,6 +3310,334 @@
     <p:extLst>
       <p:ext uri="{BB962C8B-B14F-4D97-AF65-F5344CB8AC3E}">
         <p14:creationId xmlns:p14="http://schemas.microsoft.com/office/powerpoint/2010/main" val="667959356"/>
+      </p:ext>
+    </p:extLst>
+  </p:cSld>
+  <p:clrMapOvr>
+    <a:masterClrMapping/>
+  </p:clrMapOvr>
+</p:notes>
+</file>
+
+<file path=ppt/notesSlides/notesSlide2.xml><?xml version="1.0" encoding="utf-8"?>
+<p:notes xmlns:a="http://schemas.openxmlformats.org/drawingml/2006/main" xmlns:r="http://schemas.openxmlformats.org/officeDocument/2006/relationships" xmlns:p="http://schemas.openxmlformats.org/presentationml/2006/main">
+  <p:cSld>
+    <p:spTree>
+      <p:nvGrpSpPr>
+        <p:cNvPr id="1" name=""/>
+        <p:cNvGrpSpPr/>
+        <p:nvPr/>
+      </p:nvGrpSpPr>
+      <p:grpSpPr>
+        <a:xfrm>
+          <a:off x="0" y="0"/>
+          <a:ext cx="0" cy="0"/>
+          <a:chOff x="0" y="0"/>
+          <a:chExt cx="0" cy="0"/>
+        </a:xfrm>
+      </p:grpSpPr>
+      <p:sp>
+        <p:nvSpPr>
+          <p:cNvPr id="2" name="Slide Image Placeholder 1"/>
+          <p:cNvSpPr>
+            <a:spLocks noGrp="1" noRot="1" noChangeAspect="1"/>
+          </p:cNvSpPr>
+          <p:nvPr>
+            <p:ph type="sldImg"/>
+          </p:nvPr>
+        </p:nvSpPr>
+        <p:spPr/>
+      </p:sp>
+      <p:sp>
+        <p:nvSpPr>
+          <p:cNvPr id="3" name="Notes Placeholder 2"/>
+          <p:cNvSpPr>
+            <a:spLocks noGrp="1"/>
+          </p:cNvSpPr>
+          <p:nvPr>
+            <p:ph type="body" idx="1"/>
+          </p:nvPr>
+        </p:nvSpPr>
+        <p:spPr/>
+        <p:txBody>
+          <a:bodyPr/>
+          <a:lstStyle/>
+          <a:p>
+            <a:r>
+              <a:rPr lang="en-US" dirty="0"/>
+              <a:t>- Life expectancy</a:t>
+            </a:r>
+          </a:p>
+        </p:txBody>
+      </p:sp>
+      <p:sp>
+        <p:nvSpPr>
+          <p:cNvPr id="4" name="Slide Number Placeholder 3"/>
+          <p:cNvSpPr>
+            <a:spLocks noGrp="1"/>
+          </p:cNvSpPr>
+          <p:nvPr>
+            <p:ph type="sldNum" sz="quarter" idx="5"/>
+          </p:nvPr>
+        </p:nvSpPr>
+        <p:spPr/>
+        <p:txBody>
+          <a:bodyPr/>
+          <a:lstStyle/>
+          <a:p>
+            <a:fld id="{EB9A0D56-AF33-7D43-8573-C26567EA502E}" type="slidenum">
+              <a:rPr lang="en-US" smtClean="0"/>
+              <a:t>4</a:t>
+            </a:fld>
+            <a:endParaRPr lang="en-US"/>
+          </a:p>
+        </p:txBody>
+      </p:sp>
+    </p:spTree>
+    <p:extLst>
+      <p:ext uri="{BB962C8B-B14F-4D97-AF65-F5344CB8AC3E}">
+        <p14:creationId xmlns:p14="http://schemas.microsoft.com/office/powerpoint/2010/main" val="1033720335"/>
+      </p:ext>
+    </p:extLst>
+  </p:cSld>
+  <p:clrMapOvr>
+    <a:masterClrMapping/>
+  </p:clrMapOvr>
+</p:notes>
+</file>
+
+<file path=ppt/notesSlides/notesSlide3.xml><?xml version="1.0" encoding="utf-8"?>
+<p:notes xmlns:a="http://schemas.openxmlformats.org/drawingml/2006/main" xmlns:r="http://schemas.openxmlformats.org/officeDocument/2006/relationships" xmlns:p="http://schemas.openxmlformats.org/presentationml/2006/main">
+  <p:cSld>
+    <p:spTree>
+      <p:nvGrpSpPr>
+        <p:cNvPr id="1" name=""/>
+        <p:cNvGrpSpPr/>
+        <p:nvPr/>
+      </p:nvGrpSpPr>
+      <p:grpSpPr>
+        <a:xfrm>
+          <a:off x="0" y="0"/>
+          <a:ext cx="0" cy="0"/>
+          <a:chOff x="0" y="0"/>
+          <a:chExt cx="0" cy="0"/>
+        </a:xfrm>
+      </p:grpSpPr>
+      <p:sp>
+        <p:nvSpPr>
+          <p:cNvPr id="2" name="Slide Image Placeholder 1"/>
+          <p:cNvSpPr>
+            <a:spLocks noGrp="1" noRot="1" noChangeAspect="1"/>
+          </p:cNvSpPr>
+          <p:nvPr>
+            <p:ph type="sldImg"/>
+          </p:nvPr>
+        </p:nvSpPr>
+        <p:spPr/>
+      </p:sp>
+      <p:sp>
+        <p:nvSpPr>
+          <p:cNvPr id="3" name="Notes Placeholder 2"/>
+          <p:cNvSpPr>
+            <a:spLocks noGrp="1"/>
+          </p:cNvSpPr>
+          <p:nvPr>
+            <p:ph type="body" idx="1"/>
+          </p:nvPr>
+        </p:nvSpPr>
+        <p:spPr/>
+        <p:txBody>
+          <a:bodyPr/>
+          <a:lstStyle/>
+          <a:p>
+            <a:pPr marL="171450" indent="-171450">
+              <a:buFontTx/>
+              <a:buChar char="-"/>
+            </a:pPr>
+            <a:r>
+              <a:rPr lang="en-US" sz="1200" b="0" i="0" kern="1200" dirty="0">
+                <a:solidFill>
+                  <a:schemeClr val="tx1"/>
+                </a:solidFill>
+                <a:effectLst/>
+                <a:latin typeface="+mn-lt"/>
+                <a:ea typeface="+mn-ea"/>
+                <a:cs typeface="+mn-cs"/>
+              </a:rPr>
+              <a:t>CNNs can learn what characteristics in the filters are the most important. </a:t>
+            </a:r>
+          </a:p>
+          <a:p>
+            <a:pPr marL="171450" indent="-171450">
+              <a:buFontTx/>
+              <a:buChar char="-"/>
+            </a:pPr>
+            <a:r>
+              <a:rPr lang="en-US" sz="1200" b="0" i="0" kern="1200" dirty="0">
+                <a:solidFill>
+                  <a:schemeClr val="tx1"/>
+                </a:solidFill>
+                <a:effectLst/>
+                <a:latin typeface="+mn-lt"/>
+                <a:ea typeface="+mn-ea"/>
+                <a:cs typeface="+mn-cs"/>
+              </a:rPr>
+              <a:t>That saves a lot of time since we don't need as many parameters.</a:t>
+            </a:r>
+          </a:p>
+          <a:p>
+            <a:pPr marL="171450" indent="-171450">
+              <a:buFontTx/>
+              <a:buChar char="-"/>
+            </a:pPr>
+            <a:r>
+              <a:rPr lang="en-US" sz="1200" b="0" i="0" kern="1200" dirty="0">
+                <a:solidFill>
+                  <a:schemeClr val="tx1"/>
+                </a:solidFill>
+                <a:effectLst/>
+                <a:latin typeface="+mn-lt"/>
+                <a:ea typeface="+mn-ea"/>
+                <a:cs typeface="+mn-cs"/>
+              </a:rPr>
+              <a:t>The models main purpose is to get data into forms that are easier to process without losing the features that are important for figuring out what the data represents. </a:t>
+            </a:r>
+          </a:p>
+          <a:p>
+            <a:pPr marL="171450" indent="-171450">
+              <a:buFontTx/>
+              <a:buChar char="-"/>
+            </a:pPr>
+            <a:r>
+              <a:rPr lang="en-US" sz="1200" b="0" i="0" kern="1200" dirty="0">
+                <a:solidFill>
+                  <a:schemeClr val="tx1"/>
+                </a:solidFill>
+                <a:effectLst/>
+                <a:latin typeface="+mn-lt"/>
+                <a:ea typeface="+mn-ea"/>
+                <a:cs typeface="+mn-cs"/>
+              </a:rPr>
+              <a:t>This also makes them great candidates for handling huge datasets.</a:t>
+            </a:r>
+            <a:endParaRPr lang="en-US" dirty="0"/>
+          </a:p>
+        </p:txBody>
+      </p:sp>
+      <p:sp>
+        <p:nvSpPr>
+          <p:cNvPr id="4" name="Slide Number Placeholder 3"/>
+          <p:cNvSpPr>
+            <a:spLocks noGrp="1"/>
+          </p:cNvSpPr>
+          <p:nvPr>
+            <p:ph type="sldNum" sz="quarter" idx="5"/>
+          </p:nvPr>
+        </p:nvSpPr>
+        <p:spPr/>
+        <p:txBody>
+          <a:bodyPr/>
+          <a:lstStyle/>
+          <a:p>
+            <a:fld id="{EB9A0D56-AF33-7D43-8573-C26567EA502E}" type="slidenum">
+              <a:rPr lang="en-US" smtClean="0"/>
+              <a:t>6</a:t>
+            </a:fld>
+            <a:endParaRPr lang="en-US"/>
+          </a:p>
+        </p:txBody>
+      </p:sp>
+    </p:spTree>
+    <p:extLst>
+      <p:ext uri="{BB962C8B-B14F-4D97-AF65-F5344CB8AC3E}">
+        <p14:creationId xmlns:p14="http://schemas.microsoft.com/office/powerpoint/2010/main" val="2562244141"/>
+      </p:ext>
+    </p:extLst>
+  </p:cSld>
+  <p:clrMapOvr>
+    <a:masterClrMapping/>
+  </p:clrMapOvr>
+</p:notes>
+</file>
+
+<file path=ppt/notesSlides/notesSlide4.xml><?xml version="1.0" encoding="utf-8"?>
+<p:notes xmlns:a="http://schemas.openxmlformats.org/drawingml/2006/main" xmlns:r="http://schemas.openxmlformats.org/officeDocument/2006/relationships" xmlns:p="http://schemas.openxmlformats.org/presentationml/2006/main">
+  <p:cSld>
+    <p:spTree>
+      <p:nvGrpSpPr>
+        <p:cNvPr id="1" name=""/>
+        <p:cNvGrpSpPr/>
+        <p:nvPr/>
+      </p:nvGrpSpPr>
+      <p:grpSpPr>
+        <a:xfrm>
+          <a:off x="0" y="0"/>
+          <a:ext cx="0" cy="0"/>
+          <a:chOff x="0" y="0"/>
+          <a:chExt cx="0" cy="0"/>
+        </a:xfrm>
+      </p:grpSpPr>
+      <p:sp>
+        <p:nvSpPr>
+          <p:cNvPr id="2" name="Slide Image Placeholder 1"/>
+          <p:cNvSpPr>
+            <a:spLocks noGrp="1" noRot="1" noChangeAspect="1"/>
+          </p:cNvSpPr>
+          <p:nvPr>
+            <p:ph type="sldImg"/>
+          </p:nvPr>
+        </p:nvSpPr>
+        <p:spPr/>
+      </p:sp>
+      <p:sp>
+        <p:nvSpPr>
+          <p:cNvPr id="3" name="Notes Placeholder 2"/>
+          <p:cNvSpPr>
+            <a:spLocks noGrp="1"/>
+          </p:cNvSpPr>
+          <p:nvPr>
+            <p:ph type="body" idx="1"/>
+          </p:nvPr>
+        </p:nvSpPr>
+        <p:spPr/>
+        <p:txBody>
+          <a:bodyPr/>
+          <a:lstStyle/>
+          <a:p>
+            <a:r>
+              <a:rPr lang="en-US" dirty="0"/>
+              <a:t>- Incorporate modeling into disease analyzation.</a:t>
+            </a:r>
+          </a:p>
+        </p:txBody>
+      </p:sp>
+      <p:sp>
+        <p:nvSpPr>
+          <p:cNvPr id="4" name="Slide Number Placeholder 3"/>
+          <p:cNvSpPr>
+            <a:spLocks noGrp="1"/>
+          </p:cNvSpPr>
+          <p:nvPr>
+            <p:ph type="sldNum" sz="quarter" idx="5"/>
+          </p:nvPr>
+        </p:nvSpPr>
+        <p:spPr/>
+        <p:txBody>
+          <a:bodyPr/>
+          <a:lstStyle/>
+          <a:p>
+            <a:fld id="{EB9A0D56-AF33-7D43-8573-C26567EA502E}" type="slidenum">
+              <a:rPr lang="en-US" smtClean="0"/>
+              <a:t>8</a:t>
+            </a:fld>
+            <a:endParaRPr lang="en-US"/>
+          </a:p>
+        </p:txBody>
+      </p:sp>
+    </p:spTree>
+    <p:extLst>
+      <p:ext uri="{BB962C8B-B14F-4D97-AF65-F5344CB8AC3E}">
+        <p14:creationId xmlns:p14="http://schemas.microsoft.com/office/powerpoint/2010/main" val="1686985511"/>
       </p:ext>
     </p:extLst>
   </p:cSld>
@@ -6661,7 +6910,7 @@
           </a:p>
           <a:p>
             <a:r>
-              <a:rPr lang="en-US" dirty="0"/>
+              <a:rPr lang="en-US" sz="2800" dirty="0"/>
               <a:t>Patrick Ryan</a:t>
             </a:r>
           </a:p>
@@ -6680,7 +6929,7 @@
 </p:sld>
 </file>
 
-<file path=ppt/slides/slide2.xml><?xml version="1.0" encoding="utf-8"?>
+<file path=ppt/slides/slide10.xml><?xml version="1.0" encoding="utf-8"?>
 <p:sld xmlns:a="http://schemas.openxmlformats.org/drawingml/2006/main" xmlns:r="http://schemas.openxmlformats.org/officeDocument/2006/relationships" xmlns:p="http://schemas.openxmlformats.org/presentationml/2006/main">
   <p:cSld>
     <p:spTree>
@@ -6702,6 +6951,120 @@
           <p:cNvPr id="2" name="Title 1">
             <a:extLst>
               <a:ext uri="{FF2B5EF4-FFF2-40B4-BE49-F238E27FC236}">
+                <a16:creationId xmlns:a16="http://schemas.microsoft.com/office/drawing/2014/main" id="{56156B5E-34BB-5542-9117-D945C3BC848B}"/>
+              </a:ext>
+            </a:extLst>
+          </p:cNvPr>
+          <p:cNvSpPr>
+            <a:spLocks noGrp="1"/>
+          </p:cNvSpPr>
+          <p:nvPr>
+            <p:ph type="title"/>
+          </p:nvPr>
+        </p:nvSpPr>
+        <p:spPr/>
+        <p:txBody>
+          <a:bodyPr/>
+          <a:lstStyle/>
+          <a:p>
+            <a:r>
+              <a:rPr lang="en-US" dirty="0"/>
+              <a:t>Thank you</a:t>
+            </a:r>
+          </a:p>
+        </p:txBody>
+      </p:sp>
+      <p:sp>
+        <p:nvSpPr>
+          <p:cNvPr id="3" name="Content Placeholder 2">
+            <a:extLst>
+              <a:ext uri="{FF2B5EF4-FFF2-40B4-BE49-F238E27FC236}">
+                <a16:creationId xmlns:a16="http://schemas.microsoft.com/office/drawing/2014/main" id="{6CD94082-20B7-6C48-AB85-2A72BDB2268A}"/>
+              </a:ext>
+            </a:extLst>
+          </p:cNvPr>
+          <p:cNvSpPr>
+            <a:spLocks noGrp="1"/>
+          </p:cNvSpPr>
+          <p:nvPr>
+            <p:ph idx="1"/>
+          </p:nvPr>
+        </p:nvSpPr>
+        <p:spPr/>
+        <p:txBody>
+          <a:bodyPr>
+            <a:normAutofit/>
+          </a:bodyPr>
+          <a:lstStyle/>
+          <a:p>
+            <a:r>
+              <a:rPr lang="en-US" sz="2800" dirty="0">
+                <a:hlinkClick r:id="rId2"/>
+              </a:rPr>
+              <a:t>LinkedIn</a:t>
+            </a:r>
+            <a:endParaRPr lang="en-US" sz="2800" dirty="0"/>
+          </a:p>
+          <a:p>
+            <a:r>
+              <a:rPr lang="en-US" sz="2800" dirty="0">
+                <a:hlinkClick r:id="rId3"/>
+              </a:rPr>
+              <a:t>GitHub</a:t>
+            </a:r>
+            <a:endParaRPr lang="en-US" sz="2800" dirty="0"/>
+          </a:p>
+        </p:txBody>
+      </p:sp>
+    </p:spTree>
+    <p:extLst>
+      <p:ext uri="{BB962C8B-B14F-4D97-AF65-F5344CB8AC3E}">
+        <p14:creationId xmlns:p14="http://schemas.microsoft.com/office/powerpoint/2010/main" val="4090638844"/>
+      </p:ext>
+    </p:extLst>
+  </p:cSld>
+  <p:clrMapOvr>
+    <a:masterClrMapping/>
+  </p:clrMapOvr>
+</p:sld>
+</file>
+
+<file path=ppt/slides/slide2.xml><?xml version="1.0" encoding="utf-8"?>
+<p:sld xmlns:a="http://schemas.openxmlformats.org/drawingml/2006/main" xmlns:r="http://schemas.openxmlformats.org/officeDocument/2006/relationships" xmlns:p="http://schemas.openxmlformats.org/presentationml/2006/main">
+  <p:cSld>
+    <p:bg>
+      <p:bgPr>
+        <a:blipFill dpi="0" rotWithShape="1">
+          <a:blip r:embed="rId2">
+            <a:lum/>
+          </a:blip>
+          <a:srcRect/>
+          <a:stretch>
+            <a:fillRect/>
+          </a:stretch>
+        </a:blipFill>
+        <a:effectLst/>
+      </p:bgPr>
+    </p:bg>
+    <p:spTree>
+      <p:nvGrpSpPr>
+        <p:cNvPr id="1" name=""/>
+        <p:cNvGrpSpPr/>
+        <p:nvPr/>
+      </p:nvGrpSpPr>
+      <p:grpSpPr>
+        <a:xfrm>
+          <a:off x="0" y="0"/>
+          <a:ext cx="0" cy="0"/>
+          <a:chOff x="0" y="0"/>
+          <a:chExt cx="0" cy="0"/>
+        </a:xfrm>
+      </p:grpSpPr>
+      <p:sp>
+        <p:nvSpPr>
+          <p:cNvPr id="2" name="Title 1">
+            <a:extLst>
+              <a:ext uri="{FF2B5EF4-FFF2-40B4-BE49-F238E27FC236}">
                 <a16:creationId xmlns:a16="http://schemas.microsoft.com/office/drawing/2014/main" id="{2F918C46-7562-F64D-9D25-93AE090EF3E1}"/>
               </a:ext>
             </a:extLst>
@@ -6713,9 +7076,16 @@
             <p:ph type="title"/>
           </p:nvPr>
         </p:nvSpPr>
-        <p:spPr/>
-        <p:txBody>
-          <a:bodyPr/>
+        <p:spPr>
+          <a:xfrm>
+            <a:off x="2231136" y="143282"/>
+            <a:ext cx="7729728" cy="554142"/>
+          </a:xfrm>
+        </p:spPr>
+        <p:txBody>
+          <a:bodyPr>
+            <a:normAutofit fontScale="90000"/>
+          </a:bodyPr>
           <a:lstStyle/>
           <a:p>
             <a:r>
@@ -6743,13 +7113,13 @@
         </p:nvSpPr>
         <p:spPr>
           <a:xfrm>
-            <a:off x="2231136" y="2638044"/>
-            <a:ext cx="7729728" cy="3687452"/>
+            <a:off x="6096000" y="1417105"/>
+            <a:ext cx="7729728" cy="4023790"/>
           </a:xfrm>
         </p:spPr>
         <p:txBody>
           <a:bodyPr>
-            <a:normAutofit/>
+            <a:noAutofit/>
           </a:bodyPr>
           <a:lstStyle/>
           <a:p>
@@ -6758,8 +7128,8 @@
               <a:buChar char="ü"/>
             </a:pPr>
             <a:r>
-              <a:rPr lang="en-US" sz="2400" dirty="0"/>
-              <a:t>Business Plan/Opportunity </a:t>
+              <a:rPr lang="en-US" sz="2800" dirty="0"/>
+              <a:t>Historical Background </a:t>
             </a:r>
           </a:p>
           <a:p>
@@ -6768,8 +7138,8 @@
               <a:buChar char="ü"/>
             </a:pPr>
             <a:r>
-              <a:rPr lang="en-US" sz="2400" dirty="0"/>
-              <a:t>Historical Background </a:t>
+              <a:rPr lang="en-US" sz="2800" dirty="0"/>
+              <a:t>Business Plan/Opportunity </a:t>
             </a:r>
           </a:p>
           <a:p>
@@ -6778,7 +7148,7 @@
               <a:buChar char="ü"/>
             </a:pPr>
             <a:r>
-              <a:rPr lang="en-US" sz="2400" dirty="0"/>
+              <a:rPr lang="en-US" sz="2800" dirty="0"/>
               <a:t>Data Understanding</a:t>
             </a:r>
           </a:p>
@@ -6788,7 +7158,7 @@
               <a:buChar char="ü"/>
             </a:pPr>
             <a:r>
-              <a:rPr lang="en-US" sz="2400" dirty="0"/>
+              <a:rPr lang="en-US" sz="2800" dirty="0"/>
               <a:t>Modeling</a:t>
             </a:r>
           </a:p>
@@ -6798,7 +7168,7 @@
               <a:buChar char="ü"/>
             </a:pPr>
             <a:r>
-              <a:rPr lang="en-US" sz="2400" dirty="0"/>
+              <a:rPr lang="en-US" sz="2800" dirty="0"/>
               <a:t>Evaluation</a:t>
             </a:r>
           </a:p>
@@ -6808,7 +7178,7 @@
               <a:buChar char="ü"/>
             </a:pPr>
             <a:r>
-              <a:rPr lang="en-US" sz="2400" dirty="0"/>
+              <a:rPr lang="en-US" sz="2800" dirty="0"/>
               <a:t>Recommendation</a:t>
             </a:r>
           </a:p>
@@ -6818,7 +7188,7 @@
               <a:buChar char="ü"/>
             </a:pPr>
             <a:r>
-              <a:rPr lang="en-US" sz="2400" dirty="0"/>
+              <a:rPr lang="en-US" sz="2800" dirty="0"/>
               <a:t>Next Steps</a:t>
             </a:r>
           </a:p>
@@ -6940,14 +7310,14 @@
           <p:nvPr>
             <p:extLst>
               <p:ext uri="{D42A27DB-BD31-4B8C-83A1-F6EECF244321}">
-                <p14:modId xmlns:p14="http://schemas.microsoft.com/office/powerpoint/2010/main" val="4108677764"/>
+                <p14:modId xmlns:p14="http://schemas.microsoft.com/office/powerpoint/2010/main" val="3743127903"/>
               </p:ext>
             </p:extLst>
           </p:nvPr>
         </p:nvGraphicFramePr>
         <p:xfrm>
-          <a:off x="1668346" y="2638044"/>
-          <a:ext cx="8855307" cy="5418667"/>
+          <a:off x="1668346" y="4704589"/>
+          <a:ext cx="8855307" cy="1632594"/>
         </p:xfrm>
         <a:graphic>
           <a:graphicData uri="http://schemas.openxmlformats.org/drawingml/2006/diagram">
@@ -7031,10 +7401,39 @@
         </p:nvSpPr>
         <p:spPr/>
         <p:txBody>
-          <a:bodyPr/>
+          <a:bodyPr>
+            <a:normAutofit/>
+          </a:bodyPr>
           <a:lstStyle/>
           <a:p>
-            <a:endParaRPr lang="en-US"/>
+            <a:r>
+              <a:rPr lang="en-US" sz="2600" dirty="0"/>
+              <a:t>Increase in prevalence of pneumonia.</a:t>
+            </a:r>
+          </a:p>
+          <a:p>
+            <a:r>
+              <a:rPr lang="en-US" sz="2600" dirty="0">
+                <a:latin typeface="+mj-lt"/>
+              </a:rPr>
+              <a:t>Upsurge</a:t>
+            </a:r>
+            <a:r>
+              <a:rPr lang="en-US" sz="2600" dirty="0"/>
+              <a:t> in geriatric population with weaker immune systems.</a:t>
+            </a:r>
+          </a:p>
+          <a:p>
+            <a:r>
+              <a:rPr lang="en-US" sz="2600" dirty="0"/>
+              <a:t>Increase in incidence and spending for community-acquired pneumonia.</a:t>
+            </a:r>
+          </a:p>
+          <a:p>
+            <a:r>
+              <a:rPr lang="en-US" sz="2600" dirty="0"/>
+              <a:t>Surge in number of product launches.</a:t>
+            </a:r>
           </a:p>
         </p:txBody>
       </p:sp>
@@ -7117,10 +7516,52 @@
           <a:bodyPr/>
           <a:lstStyle/>
           <a:p>
-            <a:endParaRPr lang="en-US"/>
-          </a:p>
-        </p:txBody>
-      </p:sp>
+            <a:r>
+              <a:rPr lang="en-US" dirty="0"/>
+              <a:t>The data provided included 5,863 images.</a:t>
+            </a:r>
+          </a:p>
+          <a:p>
+            <a:r>
+              <a:rPr lang="en-US" dirty="0"/>
+              <a:t>It was provided by the Guangzhou Women and Children’s Medical Center.</a:t>
+            </a:r>
+          </a:p>
+          <a:p>
+            <a:endParaRPr lang="en-US" dirty="0"/>
+          </a:p>
+        </p:txBody>
+      </p:sp>
+      <p:pic>
+        <p:nvPicPr>
+          <p:cNvPr id="5" name="Picture 4">
+            <a:extLst>
+              <a:ext uri="{FF2B5EF4-FFF2-40B4-BE49-F238E27FC236}">
+                <a16:creationId xmlns:a16="http://schemas.microsoft.com/office/drawing/2014/main" id="{CE3872AA-D8E9-2A44-A1B4-A81E2CDAF8F0}"/>
+              </a:ext>
+            </a:extLst>
+          </p:cNvPr>
+          <p:cNvPicPr>
+            <a:picLocks noChangeAspect="1"/>
+          </p:cNvPicPr>
+          <p:nvPr/>
+        </p:nvPicPr>
+        <p:blipFill>
+          <a:blip r:embed="rId2"/>
+          <a:stretch>
+            <a:fillRect/>
+          </a:stretch>
+        </p:blipFill>
+        <p:spPr>
+          <a:xfrm>
+            <a:off x="1880821" y="3646449"/>
+            <a:ext cx="8430358" cy="2762651"/>
+          </a:xfrm>
+          <a:prstGeom prst="rect">
+            <a:avLst/>
+          </a:prstGeom>
+        </p:spPr>
+      </p:pic>
     </p:spTree>
     <p:extLst>
       <p:ext uri="{BB962C8B-B14F-4D97-AF65-F5344CB8AC3E}">
@@ -7181,10 +7622,10 @@
       </p:sp>
       <p:sp>
         <p:nvSpPr>
-          <p:cNvPr id="3" name="Content Placeholder 2">
+          <p:cNvPr id="4" name="Content Placeholder 3">
             <a:extLst>
               <a:ext uri="{FF2B5EF4-FFF2-40B4-BE49-F238E27FC236}">
-                <a16:creationId xmlns:a16="http://schemas.microsoft.com/office/drawing/2014/main" id="{9F2BCB4B-FADC-0E4A-AB4F-EFA2B8E25947}"/>
+                <a16:creationId xmlns:a16="http://schemas.microsoft.com/office/drawing/2014/main" id="{77DBC9C5-4327-3447-8A50-F774E9995765}"/>
               </a:ext>
             </a:extLst>
           </p:cNvPr>
@@ -7195,15 +7636,78 @@
             <p:ph idx="1"/>
           </p:nvPr>
         </p:nvSpPr>
-        <p:spPr/>
+        <p:spPr>
+          <a:xfrm>
+            <a:off x="5498592" y="2791325"/>
+            <a:ext cx="6693408" cy="3101983"/>
+          </a:xfrm>
+        </p:spPr>
         <p:txBody>
           <a:bodyPr/>
           <a:lstStyle/>
           <a:p>
-            <a:endParaRPr lang="en-US"/>
-          </a:p>
-        </p:txBody>
-      </p:sp>
+            <a:r>
+              <a:rPr lang="en-US" sz="2400" dirty="0"/>
+              <a:t>Used a Convolutional Neural Network</a:t>
+            </a:r>
+          </a:p>
+          <a:p>
+            <a:pPr lvl="1"/>
+            <a:r>
+              <a:rPr lang="en-US" sz="2400" dirty="0"/>
+              <a:t>Allowed a precision score to be obtained.</a:t>
+            </a:r>
+          </a:p>
+          <a:p>
+            <a:pPr lvl="1"/>
+            <a:r>
+              <a:rPr lang="en-US" sz="2400" dirty="0"/>
+              <a:t>Precision score allows accuracy with predicted positives.</a:t>
+            </a:r>
+          </a:p>
+          <a:p>
+            <a:pPr lvl="1"/>
+            <a:r>
+              <a:rPr lang="en-US" sz="2400" dirty="0"/>
+              <a:t>Needed to reduce false negatives and false positives.</a:t>
+            </a:r>
+          </a:p>
+          <a:p>
+            <a:pPr lvl="1"/>
+            <a:endParaRPr lang="en-US" dirty="0"/>
+          </a:p>
+        </p:txBody>
+      </p:sp>
+      <p:pic>
+        <p:nvPicPr>
+          <p:cNvPr id="12" name="Picture 11">
+            <a:extLst>
+              <a:ext uri="{FF2B5EF4-FFF2-40B4-BE49-F238E27FC236}">
+                <a16:creationId xmlns:a16="http://schemas.microsoft.com/office/drawing/2014/main" id="{DF65A33A-2DF4-CF4F-89DB-8195C51F8626}"/>
+              </a:ext>
+            </a:extLst>
+          </p:cNvPr>
+          <p:cNvPicPr>
+            <a:picLocks noChangeAspect="1"/>
+          </p:cNvPicPr>
+          <p:nvPr/>
+        </p:nvPicPr>
+        <p:blipFill>
+          <a:blip r:embed="rId3"/>
+          <a:stretch>
+            <a:fillRect/>
+          </a:stretch>
+        </p:blipFill>
+        <p:spPr>
+          <a:xfrm>
+            <a:off x="916940" y="2602416"/>
+            <a:ext cx="4508500" cy="3479800"/>
+          </a:xfrm>
+          <a:prstGeom prst="rect">
+            <a:avLst/>
+          </a:prstGeom>
+        </p:spPr>
+      </p:pic>
     </p:spTree>
     <p:extLst>
       <p:ext uri="{BB962C8B-B14F-4D97-AF65-F5344CB8AC3E}">
@@ -7250,7 +7754,12 @@
             <p:ph type="title"/>
           </p:nvPr>
         </p:nvSpPr>
-        <p:spPr/>
+        <p:spPr>
+          <a:xfrm>
+            <a:off x="2231136" y="867156"/>
+            <a:ext cx="7729728" cy="1188720"/>
+          </a:xfrm>
+        </p:spPr>
         <p:txBody>
           <a:bodyPr/>
           <a:lstStyle/>
@@ -7264,10 +7773,10 @@
       </p:sp>
       <p:sp>
         <p:nvSpPr>
-          <p:cNvPr id="3" name="Content Placeholder 2">
+          <p:cNvPr id="10" name="Content Placeholder 9">
             <a:extLst>
               <a:ext uri="{FF2B5EF4-FFF2-40B4-BE49-F238E27FC236}">
-                <a16:creationId xmlns:a16="http://schemas.microsoft.com/office/drawing/2014/main" id="{D81B9A6A-FA5D-9144-994B-AC9FDE084FCF}"/>
+                <a16:creationId xmlns:a16="http://schemas.microsoft.com/office/drawing/2014/main" id="{43C27C0F-F2B1-4144-B2E1-9C4E620BCB8F}"/>
               </a:ext>
             </a:extLst>
           </p:cNvPr>
@@ -7278,15 +7787,61 @@
             <p:ph idx="1"/>
           </p:nvPr>
         </p:nvSpPr>
-        <p:spPr/>
-        <p:txBody>
-          <a:bodyPr/>
+        <p:spPr>
+          <a:xfrm>
+            <a:off x="207264" y="2450591"/>
+            <a:ext cx="3218688" cy="4025325"/>
+          </a:xfrm>
+        </p:spPr>
+        <p:txBody>
+          <a:bodyPr>
+            <a:normAutofit/>
+          </a:bodyPr>
           <a:lstStyle/>
           <a:p>
-            <a:endParaRPr lang="en-US"/>
-          </a:p>
-        </p:txBody>
-      </p:sp>
+            <a:r>
+              <a:rPr lang="en-US" sz="2400" dirty="0"/>
+              <a:t>Precision score for predicting pneumonia: 83%.</a:t>
+            </a:r>
+          </a:p>
+          <a:p>
+            <a:r>
+              <a:rPr lang="en-US" sz="2400" dirty="0"/>
+              <a:t>Precision score for predicting normal: 86%</a:t>
+            </a:r>
+          </a:p>
+        </p:txBody>
+      </p:sp>
+      <p:pic>
+        <p:nvPicPr>
+          <p:cNvPr id="14" name="Picture 13">
+            <a:extLst>
+              <a:ext uri="{FF2B5EF4-FFF2-40B4-BE49-F238E27FC236}">
+                <a16:creationId xmlns:a16="http://schemas.microsoft.com/office/drawing/2014/main" id="{6D4DCA72-084C-B640-B5D4-8750671531F6}"/>
+              </a:ext>
+            </a:extLst>
+          </p:cNvPr>
+          <p:cNvPicPr>
+            <a:picLocks noChangeAspect="1"/>
+          </p:cNvPicPr>
+          <p:nvPr/>
+        </p:nvPicPr>
+        <p:blipFill>
+          <a:blip r:embed="rId2"/>
+          <a:stretch>
+            <a:fillRect/>
+          </a:stretch>
+        </p:blipFill>
+        <p:spPr>
+          <a:xfrm>
+            <a:off x="3564636" y="2208716"/>
+            <a:ext cx="8420100" cy="4267200"/>
+          </a:xfrm>
+          <a:prstGeom prst="rect">
+            <a:avLst/>
+          </a:prstGeom>
+        </p:spPr>
+      </p:pic>
     </p:spTree>
     <p:extLst>
       <p:ext uri="{BB962C8B-B14F-4D97-AF65-F5344CB8AC3E}">
@@ -7363,10 +7918,27 @@
         </p:nvSpPr>
         <p:spPr/>
         <p:txBody>
-          <a:bodyPr/>
+          <a:bodyPr>
+            <a:normAutofit/>
+          </a:bodyPr>
           <a:lstStyle/>
           <a:p>
-            <a:endParaRPr lang="en-US"/>
+            <a:r>
+              <a:rPr lang="en-US" sz="2400" dirty="0"/>
+              <a:t>Chest radiographs are the most widely used tool for diagnosing pneumonia.</a:t>
+            </a:r>
+          </a:p>
+          <a:p>
+            <a:r>
+              <a:rPr lang="en-US" sz="2400" dirty="0"/>
+              <a:t>Early detection of pneumonia is crucial for determining the appropriate treatment of the disease.</a:t>
+            </a:r>
+          </a:p>
+          <a:p>
+            <a:r>
+              <a:rPr lang="en-US" sz="2400" dirty="0"/>
+              <a:t>Early detection can keep it from threatening the patient’s life.</a:t>
+            </a:r>
           </a:p>
         </p:txBody>
       </p:sp>
@@ -7386,6 +7958,20 @@
 <file path=ppt/slides/slide9.xml><?xml version="1.0" encoding="utf-8"?>
 <p:sld xmlns:a="http://schemas.openxmlformats.org/drawingml/2006/main" xmlns:r="http://schemas.openxmlformats.org/officeDocument/2006/relationships" xmlns:p="http://schemas.openxmlformats.org/presentationml/2006/main">
   <p:cSld>
+    <p:bg>
+      <p:bgPr>
+        <a:blipFill dpi="0" rotWithShape="1">
+          <a:blip r:embed="rId2">
+            <a:lum/>
+          </a:blip>
+          <a:srcRect/>
+          <a:stretch>
+            <a:fillRect l="-7000" r="-7000"/>
+          </a:stretch>
+        </a:blipFill>
+        <a:effectLst/>
+      </p:bgPr>
+    </p:bg>
     <p:spTree>
       <p:nvGrpSpPr>
         <p:cNvPr id="1" name=""/>
@@ -7416,9 +8002,16 @@
             <p:ph type="title"/>
           </p:nvPr>
         </p:nvSpPr>
-        <p:spPr/>
-        <p:txBody>
-          <a:bodyPr/>
+        <p:spPr>
+          <a:xfrm>
+            <a:off x="4072128" y="867156"/>
+            <a:ext cx="4047744" cy="729996"/>
+          </a:xfrm>
+        </p:spPr>
+        <p:txBody>
+          <a:bodyPr>
+            <a:normAutofit fontScale="90000"/>
+          </a:bodyPr>
           <a:lstStyle/>
           <a:p>
             <a:r>
@@ -7430,26 +8023,79 @@
       </p:sp>
       <p:sp>
         <p:nvSpPr>
-          <p:cNvPr id="3" name="Content Placeholder 2">
+          <p:cNvPr id="13" name="TextBox 12">
             <a:extLst>
               <a:ext uri="{FF2B5EF4-FFF2-40B4-BE49-F238E27FC236}">
-                <a16:creationId xmlns:a16="http://schemas.microsoft.com/office/drawing/2014/main" id="{EA8FEAF8-AAB3-1347-8C2E-F0CCBB407DD3}"/>
+                <a16:creationId xmlns:a16="http://schemas.microsoft.com/office/drawing/2014/main" id="{B0246773-D6D5-A64C-8B46-BD671D8C7814}"/>
               </a:ext>
             </a:extLst>
           </p:cNvPr>
-          <p:cNvSpPr>
-            <a:spLocks noGrp="1"/>
-          </p:cNvSpPr>
-          <p:nvPr>
-            <p:ph idx="1"/>
-          </p:nvPr>
-        </p:nvSpPr>
-        <p:spPr/>
-        <p:txBody>
-          <a:bodyPr/>
+          <p:cNvSpPr txBox="1"/>
+          <p:nvPr/>
+        </p:nvSpPr>
+        <p:spPr>
+          <a:xfrm>
+            <a:off x="316992" y="2044005"/>
+            <a:ext cx="3950208" cy="1384995"/>
+          </a:xfrm>
+          <a:prstGeom prst="rect">
+            <a:avLst/>
+          </a:prstGeom>
+          <a:noFill/>
+        </p:spPr>
+        <p:txBody>
+          <a:bodyPr wrap="square" rtlCol="0">
+            <a:spAutoFit/>
+          </a:bodyPr>
           <a:lstStyle/>
           <a:p>
-            <a:endParaRPr lang="en-US"/>
+            <a:pPr marL="285750" indent="-285750">
+              <a:buFont typeface="Arial" panose="020B0604020202020204" pitchFamily="34" charset="0"/>
+              <a:buChar char="•"/>
+            </a:pPr>
+            <a:r>
+              <a:rPr lang="en-US" sz="2800" dirty="0"/>
+              <a:t>Find more lung images from different age groups.</a:t>
+            </a:r>
+          </a:p>
+        </p:txBody>
+      </p:sp>
+      <p:sp>
+        <p:nvSpPr>
+          <p:cNvPr id="14" name="TextBox 13">
+            <a:extLst>
+              <a:ext uri="{FF2B5EF4-FFF2-40B4-BE49-F238E27FC236}">
+                <a16:creationId xmlns:a16="http://schemas.microsoft.com/office/drawing/2014/main" id="{04D8D364-B980-384A-A0E7-78982E98386A}"/>
+              </a:ext>
+            </a:extLst>
+          </p:cNvPr>
+          <p:cNvSpPr txBox="1"/>
+          <p:nvPr/>
+        </p:nvSpPr>
+        <p:spPr>
+          <a:xfrm>
+            <a:off x="7680960" y="4174962"/>
+            <a:ext cx="3816096" cy="1815882"/>
+          </a:xfrm>
+          <a:prstGeom prst="rect">
+            <a:avLst/>
+          </a:prstGeom>
+          <a:noFill/>
+        </p:spPr>
+        <p:txBody>
+          <a:bodyPr wrap="square" rtlCol="0">
+            <a:spAutoFit/>
+          </a:bodyPr>
+          <a:lstStyle/>
+          <a:p>
+            <a:pPr marL="285750" indent="-285750">
+              <a:buFont typeface="Arial" panose="020B0604020202020204" pitchFamily="34" charset="0"/>
+              <a:buChar char="•"/>
+            </a:pPr>
+            <a:r>
+              <a:rPr lang="en-US" sz="2800" dirty="0"/>
+              <a:t>Use images from different parts of the world rather than just one area.</a:t>
+            </a:r>
           </a:p>
         </p:txBody>
       </p:sp>

--- a/PneumoniaPresentation.pptx
+++ b/PneumoniaPresentation.pptx
@@ -120,167 +120,85 @@
 </file>
 
 <file path=ppt/diagrams/colors1.xml><?xml version="1.0" encoding="utf-8"?>
-<dgm:colorsDef xmlns:dgm="http://schemas.openxmlformats.org/drawingml/2006/diagram" xmlns:a="http://schemas.openxmlformats.org/drawingml/2006/main" uniqueId="urn:microsoft.com/office/officeart/2005/8/colors/accent1_2">
+<dgm:colorsDef xmlns:dgm="http://schemas.openxmlformats.org/drawingml/2006/diagram" xmlns:a="http://schemas.openxmlformats.org/drawingml/2006/main" uniqueId="urn:microsoft.com/office/officeart/2005/8/colors/accent5_1">
   <dgm:title val=""/>
   <dgm:desc val=""/>
   <dgm:catLst>
-    <dgm:cat type="accent1" pri="11200"/>
+    <dgm:cat type="accent5" pri="11100"/>
   </dgm:catLst>
   <dgm:styleLbl name="node0">
     <dgm:fillClrLst meth="repeat">
-      <a:schemeClr val="accent1"/>
+      <a:schemeClr val="lt1"/>
     </dgm:fillClrLst>
     <dgm:linClrLst meth="repeat">
-      <a:schemeClr val="lt1"/>
+      <a:schemeClr val="accent5">
+        <a:shade val="80000"/>
+      </a:schemeClr>
     </dgm:linClrLst>
     <dgm:effectClrLst/>
     <dgm:txLinClrLst/>
-    <dgm:txFillClrLst/>
+    <dgm:txFillClrLst meth="repeat">
+      <a:schemeClr val="dk1"/>
+    </dgm:txFillClrLst>
     <dgm:txEffectClrLst/>
   </dgm:styleLbl>
-  <dgm:styleLbl name="alignNode1">
+  <dgm:styleLbl name="node1">
     <dgm:fillClrLst meth="repeat">
-      <a:schemeClr val="accent1"/>
+      <a:schemeClr val="lt1"/>
     </dgm:fillClrLst>
     <dgm:linClrLst meth="repeat">
-      <a:schemeClr val="accent1"/>
+      <a:schemeClr val="accent5">
+        <a:shade val="80000"/>
+      </a:schemeClr>
     </dgm:linClrLst>
     <dgm:effectClrLst/>
     <dgm:txLinClrLst/>
-    <dgm:txFillClrLst/>
+    <dgm:txFillClrLst meth="repeat">
+      <a:schemeClr val="dk1"/>
+    </dgm:txFillClrLst>
     <dgm:txEffectClrLst/>
   </dgm:styleLbl>
-  <dgm:styleLbl name="node1">
+  <dgm:styleLbl name="alignNode1">
     <dgm:fillClrLst meth="repeat">
-      <a:schemeClr val="accent1"/>
+      <a:schemeClr val="lt1"/>
     </dgm:fillClrLst>
     <dgm:linClrLst meth="repeat">
-      <a:schemeClr val="lt1"/>
+      <a:schemeClr val="accent5">
+        <a:shade val="80000"/>
+      </a:schemeClr>
     </dgm:linClrLst>
     <dgm:effectClrLst/>
     <dgm:txLinClrLst/>
-    <dgm:txFillClrLst/>
+    <dgm:txFillClrLst meth="repeat">
+      <a:schemeClr val="dk1"/>
+    </dgm:txFillClrLst>
     <dgm:txEffectClrLst/>
   </dgm:styleLbl>
   <dgm:styleLbl name="lnNode1">
     <dgm:fillClrLst meth="repeat">
-      <a:schemeClr val="accent1"/>
+      <a:schemeClr val="lt1"/>
     </dgm:fillClrLst>
     <dgm:linClrLst meth="repeat">
-      <a:schemeClr val="lt1"/>
+      <a:schemeClr val="accent5">
+        <a:shade val="80000"/>
+      </a:schemeClr>
     </dgm:linClrLst>
     <dgm:effectClrLst/>
     <dgm:txLinClrLst/>
-    <dgm:txFillClrLst/>
+    <dgm:txFillClrLst meth="repeat">
+      <a:schemeClr val="dk1"/>
+    </dgm:txFillClrLst>
     <dgm:txEffectClrLst/>
   </dgm:styleLbl>
   <dgm:styleLbl name="vennNode1">
     <dgm:fillClrLst meth="repeat">
-      <a:schemeClr val="accent1">
+      <a:schemeClr val="lt1">
         <a:alpha val="50000"/>
       </a:schemeClr>
     </dgm:fillClrLst>
     <dgm:linClrLst meth="repeat">
-      <a:schemeClr val="lt1"/>
-    </dgm:linClrLst>
-    <dgm:effectClrLst/>
-    <dgm:txLinClrLst/>
-    <dgm:txFillClrLst/>
-    <dgm:txEffectClrLst/>
-  </dgm:styleLbl>
-  <dgm:styleLbl name="node2">
-    <dgm:fillClrLst meth="repeat">
-      <a:schemeClr val="accent1"/>
-    </dgm:fillClrLst>
-    <dgm:linClrLst meth="repeat">
-      <a:schemeClr val="lt1"/>
-    </dgm:linClrLst>
-    <dgm:effectClrLst/>
-    <dgm:txLinClrLst/>
-    <dgm:txFillClrLst/>
-    <dgm:txEffectClrLst/>
-  </dgm:styleLbl>
-  <dgm:styleLbl name="node3">
-    <dgm:fillClrLst meth="repeat">
-      <a:schemeClr val="accent1"/>
-    </dgm:fillClrLst>
-    <dgm:linClrLst meth="repeat">
-      <a:schemeClr val="lt1"/>
-    </dgm:linClrLst>
-    <dgm:effectClrLst/>
-    <dgm:txLinClrLst/>
-    <dgm:txFillClrLst/>
-    <dgm:txEffectClrLst/>
-  </dgm:styleLbl>
-  <dgm:styleLbl name="node4">
-    <dgm:fillClrLst meth="repeat">
-      <a:schemeClr val="accent1"/>
-    </dgm:fillClrLst>
-    <dgm:linClrLst meth="repeat">
-      <a:schemeClr val="lt1"/>
-    </dgm:linClrLst>
-    <dgm:effectClrLst/>
-    <dgm:txLinClrLst/>
-    <dgm:txFillClrLst/>
-    <dgm:txEffectClrLst/>
-  </dgm:styleLbl>
-  <dgm:styleLbl name="fgImgPlace1">
-    <dgm:fillClrLst meth="repeat">
-      <a:schemeClr val="accent1">
-        <a:tint val="50000"/>
-      </a:schemeClr>
-    </dgm:fillClrLst>
-    <dgm:linClrLst meth="repeat">
-      <a:schemeClr val="lt1"/>
-    </dgm:linClrLst>
-    <dgm:effectClrLst/>
-    <dgm:txLinClrLst/>
-    <dgm:txFillClrLst meth="repeat">
-      <a:schemeClr val="lt1"/>
-    </dgm:txFillClrLst>
-    <dgm:txEffectClrLst/>
-  </dgm:styleLbl>
-  <dgm:styleLbl name="alignImgPlace1">
-    <dgm:fillClrLst meth="repeat">
-      <a:schemeClr val="accent1">
-        <a:tint val="50000"/>
-      </a:schemeClr>
-    </dgm:fillClrLst>
-    <dgm:linClrLst meth="repeat">
-      <a:schemeClr val="lt1"/>
-    </dgm:linClrLst>
-    <dgm:effectClrLst/>
-    <dgm:txLinClrLst/>
-    <dgm:txFillClrLst meth="repeat">
-      <a:schemeClr val="lt1"/>
-    </dgm:txFillClrLst>
-    <dgm:txEffectClrLst/>
-  </dgm:styleLbl>
-  <dgm:styleLbl name="bgImgPlace1">
-    <dgm:fillClrLst meth="repeat">
-      <a:schemeClr val="accent1">
-        <a:tint val="50000"/>
-      </a:schemeClr>
-    </dgm:fillClrLst>
-    <dgm:linClrLst meth="repeat">
-      <a:schemeClr val="lt1"/>
-    </dgm:linClrLst>
-    <dgm:effectClrLst/>
-    <dgm:txLinClrLst/>
-    <dgm:txFillClrLst meth="repeat">
-      <a:schemeClr val="lt1"/>
-    </dgm:txFillClrLst>
-    <dgm:txEffectClrLst/>
-  </dgm:styleLbl>
-  <dgm:styleLbl name="sibTrans2D1">
-    <dgm:fillClrLst meth="repeat">
-      <a:schemeClr val="accent1">
-        <a:tint val="60000"/>
-      </a:schemeClr>
-    </dgm:fillClrLst>
-    <dgm:linClrLst meth="repeat">
-      <a:schemeClr val="accent1">
-        <a:tint val="60000"/>
+      <a:schemeClr val="accent5">
+        <a:shade val="80000"/>
       </a:schemeClr>
     </dgm:linClrLst>
     <dgm:effectClrLst/>
@@ -288,137 +206,63 @@
     <dgm:txFillClrLst/>
     <dgm:txEffectClrLst/>
   </dgm:styleLbl>
-  <dgm:styleLbl name="fgSibTrans2D1">
+  <dgm:styleLbl name="node2">
     <dgm:fillClrLst meth="repeat">
-      <a:schemeClr val="accent1">
-        <a:tint val="60000"/>
-      </a:schemeClr>
+      <a:schemeClr val="lt1"/>
     </dgm:fillClrLst>
     <dgm:linClrLst meth="repeat">
-      <a:schemeClr val="accent1">
-        <a:tint val="60000"/>
-      </a:schemeClr>
-    </dgm:linClrLst>
-    <dgm:effectClrLst/>
-    <dgm:txLinClrLst/>
-    <dgm:txFillClrLst/>
-    <dgm:txEffectClrLst/>
-  </dgm:styleLbl>
-  <dgm:styleLbl name="bgSibTrans2D1">
-    <dgm:fillClrLst meth="repeat">
-      <a:schemeClr val="accent1">
-        <a:tint val="60000"/>
-      </a:schemeClr>
-    </dgm:fillClrLst>
-    <dgm:linClrLst meth="repeat">
-      <a:schemeClr val="accent1">
-        <a:tint val="60000"/>
-      </a:schemeClr>
-    </dgm:linClrLst>
-    <dgm:effectClrLst/>
-    <dgm:txLinClrLst/>
-    <dgm:txFillClrLst/>
-    <dgm:txEffectClrLst/>
-  </dgm:styleLbl>
-  <dgm:styleLbl name="sibTrans1D1">
-    <dgm:fillClrLst meth="repeat">
-      <a:schemeClr val="accent1"/>
-    </dgm:fillClrLst>
-    <dgm:linClrLst meth="repeat">
-      <a:schemeClr val="accent1"/>
-    </dgm:linClrLst>
-    <dgm:effectClrLst/>
-    <dgm:txLinClrLst/>
-    <dgm:txFillClrLst meth="repeat">
-      <a:schemeClr val="tx1"/>
-    </dgm:txFillClrLst>
-    <dgm:txEffectClrLst/>
-  </dgm:styleLbl>
-  <dgm:styleLbl name="callout">
-    <dgm:fillClrLst meth="repeat">
-      <a:schemeClr val="accent1"/>
-    </dgm:fillClrLst>
-    <dgm:linClrLst meth="repeat">
-      <a:schemeClr val="accent1">
-        <a:tint val="50000"/>
+      <a:schemeClr val="accent5">
+        <a:shade val="80000"/>
       </a:schemeClr>
     </dgm:linClrLst>
     <dgm:effectClrLst/>
     <dgm:txLinClrLst/>
     <dgm:txFillClrLst meth="repeat">
-      <a:schemeClr val="tx1"/>
+      <a:schemeClr val="dk1"/>
     </dgm:txFillClrLst>
     <dgm:txEffectClrLst/>
   </dgm:styleLbl>
-  <dgm:styleLbl name="asst0">
+  <dgm:styleLbl name="node3">
     <dgm:fillClrLst meth="repeat">
-      <a:schemeClr val="accent1"/>
+      <a:schemeClr val="lt1"/>
     </dgm:fillClrLst>
     <dgm:linClrLst meth="repeat">
-      <a:schemeClr val="lt1"/>
+      <a:schemeClr val="accent5">
+        <a:shade val="80000"/>
+      </a:schemeClr>
     </dgm:linClrLst>
     <dgm:effectClrLst/>
     <dgm:txLinClrLst/>
-    <dgm:txFillClrLst/>
+    <dgm:txFillClrLst meth="repeat">
+      <a:schemeClr val="dk1"/>
+    </dgm:txFillClrLst>
     <dgm:txEffectClrLst/>
   </dgm:styleLbl>
-  <dgm:styleLbl name="asst1">
+  <dgm:styleLbl name="node4">
     <dgm:fillClrLst meth="repeat">
-      <a:schemeClr val="accent1"/>
+      <a:schemeClr val="lt1"/>
     </dgm:fillClrLst>
     <dgm:linClrLst meth="repeat">
-      <a:schemeClr val="lt1"/>
+      <a:schemeClr val="accent5">
+        <a:shade val="80000"/>
+      </a:schemeClr>
     </dgm:linClrLst>
     <dgm:effectClrLst/>
     <dgm:txLinClrLst/>
-    <dgm:txFillClrLst/>
+    <dgm:txFillClrLst meth="repeat">
+      <a:schemeClr val="dk1"/>
+    </dgm:txFillClrLst>
     <dgm:txEffectClrLst/>
   </dgm:styleLbl>
-  <dgm:styleLbl name="asst2">
+  <dgm:styleLbl name="fgImgPlace1">
     <dgm:fillClrLst meth="repeat">
-      <a:schemeClr val="accent1"/>
-    </dgm:fillClrLst>
-    <dgm:linClrLst meth="repeat">
-      <a:schemeClr val="lt1"/>
-    </dgm:linClrLst>
-    <dgm:effectClrLst/>
-    <dgm:txLinClrLst/>
-    <dgm:txFillClrLst/>
-    <dgm:txEffectClrLst/>
-  </dgm:styleLbl>
-  <dgm:styleLbl name="asst3">
-    <dgm:fillClrLst meth="repeat">
-      <a:schemeClr val="accent1"/>
-    </dgm:fillClrLst>
-    <dgm:linClrLst meth="repeat">
-      <a:schemeClr val="lt1"/>
-    </dgm:linClrLst>
-    <dgm:effectClrLst/>
-    <dgm:txLinClrLst/>
-    <dgm:txFillClrLst/>
-    <dgm:txEffectClrLst/>
-  </dgm:styleLbl>
-  <dgm:styleLbl name="asst4">
-    <dgm:fillClrLst meth="repeat">
-      <a:schemeClr val="accent1"/>
-    </dgm:fillClrLst>
-    <dgm:linClrLst meth="repeat">
-      <a:schemeClr val="lt1"/>
-    </dgm:linClrLst>
-    <dgm:effectClrLst/>
-    <dgm:txLinClrLst/>
-    <dgm:txFillClrLst/>
-    <dgm:txEffectClrLst/>
-  </dgm:styleLbl>
-  <dgm:styleLbl name="parChTrans2D1">
-    <dgm:fillClrLst meth="repeat">
-      <a:schemeClr val="accent1">
-        <a:tint val="60000"/>
+      <a:schemeClr val="accent5">
+        <a:tint val="40000"/>
       </a:schemeClr>
     </dgm:fillClrLst>
     <dgm:linClrLst meth="repeat">
-      <a:schemeClr val="accent1">
-        <a:tint val="60000"/>
+      <a:schemeClr val="accent5">
+        <a:shade val="80000"/>
       </a:schemeClr>
     </dgm:linClrLst>
     <dgm:effectClrLst/>
@@ -428,12 +272,16 @@
     </dgm:txFillClrLst>
     <dgm:txEffectClrLst/>
   </dgm:styleLbl>
-  <dgm:styleLbl name="parChTrans2D2">
+  <dgm:styleLbl name="alignImgPlace1">
     <dgm:fillClrLst meth="repeat">
-      <a:schemeClr val="accent1"/>
+      <a:schemeClr val="accent5">
+        <a:tint val="40000"/>
+      </a:schemeClr>
     </dgm:fillClrLst>
     <dgm:linClrLst meth="repeat">
-      <a:schemeClr val="accent1"/>
+      <a:schemeClr val="accent5">
+        <a:shade val="80000"/>
+      </a:schemeClr>
     </dgm:linClrLst>
     <dgm:effectClrLst/>
     <dgm:txLinClrLst/>
@@ -442,12 +290,16 @@
     </dgm:txFillClrLst>
     <dgm:txEffectClrLst/>
   </dgm:styleLbl>
-  <dgm:styleLbl name="parChTrans2D3">
+  <dgm:styleLbl name="bgImgPlace1">
     <dgm:fillClrLst meth="repeat">
-      <a:schemeClr val="accent1"/>
+      <a:schemeClr val="accent5">
+        <a:tint val="40000"/>
+      </a:schemeClr>
     </dgm:fillClrLst>
     <dgm:linClrLst meth="repeat">
-      <a:schemeClr val="accent1"/>
+      <a:schemeClr val="accent5">
+        <a:shade val="80000"/>
+      </a:schemeClr>
     </dgm:linClrLst>
     <dgm:effectClrLst/>
     <dgm:txLinClrLst/>
@@ -456,12 +308,214 @@
     </dgm:txFillClrLst>
     <dgm:txEffectClrLst/>
   </dgm:styleLbl>
+  <dgm:styleLbl name="sibTrans2D1">
+    <dgm:fillClrLst meth="repeat">
+      <a:schemeClr val="accent5">
+        <a:tint val="60000"/>
+      </a:schemeClr>
+    </dgm:fillClrLst>
+    <dgm:linClrLst meth="repeat">
+      <a:schemeClr val="accent5">
+        <a:tint val="60000"/>
+      </a:schemeClr>
+    </dgm:linClrLst>
+    <dgm:effectClrLst/>
+    <dgm:txLinClrLst/>
+    <dgm:txFillClrLst meth="repeat">
+      <a:schemeClr val="dk1"/>
+    </dgm:txFillClrLst>
+    <dgm:txEffectClrLst/>
+  </dgm:styleLbl>
+  <dgm:styleLbl name="fgSibTrans2D1">
+    <dgm:fillClrLst meth="repeat">
+      <a:schemeClr val="accent5">
+        <a:tint val="60000"/>
+      </a:schemeClr>
+    </dgm:fillClrLst>
+    <dgm:linClrLst meth="repeat">
+      <a:schemeClr val="accent5">
+        <a:tint val="60000"/>
+      </a:schemeClr>
+    </dgm:linClrLst>
+    <dgm:effectClrLst/>
+    <dgm:txLinClrLst/>
+    <dgm:txFillClrLst meth="repeat">
+      <a:schemeClr val="dk1"/>
+    </dgm:txFillClrLst>
+    <dgm:txEffectClrLst/>
+  </dgm:styleLbl>
+  <dgm:styleLbl name="bgSibTrans2D1">
+    <dgm:fillClrLst meth="repeat">
+      <a:schemeClr val="accent5">
+        <a:tint val="60000"/>
+      </a:schemeClr>
+    </dgm:fillClrLst>
+    <dgm:linClrLst meth="repeat">
+      <a:schemeClr val="accent5">
+        <a:tint val="60000"/>
+      </a:schemeClr>
+    </dgm:linClrLst>
+    <dgm:effectClrLst/>
+    <dgm:txLinClrLst/>
+    <dgm:txFillClrLst meth="repeat">
+      <a:schemeClr val="dk1"/>
+    </dgm:txFillClrLst>
+    <dgm:txEffectClrLst/>
+  </dgm:styleLbl>
+  <dgm:styleLbl name="sibTrans1D1">
+    <dgm:fillClrLst meth="repeat">
+      <a:schemeClr val="accent5"/>
+    </dgm:fillClrLst>
+    <dgm:linClrLst meth="repeat">
+      <a:schemeClr val="accent5"/>
+    </dgm:linClrLst>
+    <dgm:effectClrLst/>
+    <dgm:txLinClrLst/>
+    <dgm:txFillClrLst meth="repeat">
+      <a:schemeClr val="tx1"/>
+    </dgm:txFillClrLst>
+    <dgm:txEffectClrLst/>
+  </dgm:styleLbl>
+  <dgm:styleLbl name="callout">
+    <dgm:fillClrLst meth="repeat">
+      <a:schemeClr val="accent5"/>
+    </dgm:fillClrLst>
+    <dgm:linClrLst meth="repeat">
+      <a:schemeClr val="accent5"/>
+    </dgm:linClrLst>
+    <dgm:effectClrLst/>
+    <dgm:txLinClrLst/>
+    <dgm:txFillClrLst meth="repeat">
+      <a:schemeClr val="tx1"/>
+    </dgm:txFillClrLst>
+    <dgm:txEffectClrLst/>
+  </dgm:styleLbl>
+  <dgm:styleLbl name="asst0">
+    <dgm:fillClrLst meth="repeat">
+      <a:schemeClr val="lt1"/>
+    </dgm:fillClrLst>
+    <dgm:linClrLst meth="repeat">
+      <a:schemeClr val="accent5">
+        <a:shade val="80000"/>
+      </a:schemeClr>
+    </dgm:linClrLst>
+    <dgm:effectClrLst/>
+    <dgm:txLinClrLst/>
+    <dgm:txFillClrLst meth="repeat">
+      <a:schemeClr val="dk1"/>
+    </dgm:txFillClrLst>
+    <dgm:txEffectClrLst/>
+  </dgm:styleLbl>
+  <dgm:styleLbl name="asst1">
+    <dgm:fillClrLst meth="repeat">
+      <a:schemeClr val="lt1"/>
+    </dgm:fillClrLst>
+    <dgm:linClrLst meth="repeat">
+      <a:schemeClr val="accent5">
+        <a:shade val="80000"/>
+      </a:schemeClr>
+    </dgm:linClrLst>
+    <dgm:effectClrLst/>
+    <dgm:txLinClrLst/>
+    <dgm:txFillClrLst meth="repeat">
+      <a:schemeClr val="dk1"/>
+    </dgm:txFillClrLst>
+    <dgm:txEffectClrLst/>
+  </dgm:styleLbl>
+  <dgm:styleLbl name="asst2">
+    <dgm:fillClrLst meth="repeat">
+      <a:schemeClr val="lt1"/>
+    </dgm:fillClrLst>
+    <dgm:linClrLst meth="repeat">
+      <a:schemeClr val="accent5">
+        <a:shade val="80000"/>
+      </a:schemeClr>
+    </dgm:linClrLst>
+    <dgm:effectClrLst/>
+    <dgm:txLinClrLst/>
+    <dgm:txFillClrLst meth="repeat">
+      <a:schemeClr val="dk1"/>
+    </dgm:txFillClrLst>
+    <dgm:txEffectClrLst/>
+  </dgm:styleLbl>
+  <dgm:styleLbl name="asst3">
+    <dgm:fillClrLst meth="repeat">
+      <a:schemeClr val="lt1"/>
+    </dgm:fillClrLst>
+    <dgm:linClrLst meth="repeat">
+      <a:schemeClr val="accent5">
+        <a:shade val="80000"/>
+      </a:schemeClr>
+    </dgm:linClrLst>
+    <dgm:effectClrLst/>
+    <dgm:txLinClrLst/>
+    <dgm:txFillClrLst meth="repeat">
+      <a:schemeClr val="dk1"/>
+    </dgm:txFillClrLst>
+    <dgm:txEffectClrLst/>
+  </dgm:styleLbl>
+  <dgm:styleLbl name="asst4">
+    <dgm:fillClrLst meth="repeat">
+      <a:schemeClr val="lt1"/>
+    </dgm:fillClrLst>
+    <dgm:linClrLst meth="repeat">
+      <a:schemeClr val="accent5">
+        <a:shade val="80000"/>
+      </a:schemeClr>
+    </dgm:linClrLst>
+    <dgm:effectClrLst/>
+    <dgm:txLinClrLst/>
+    <dgm:txFillClrLst meth="repeat">
+      <a:schemeClr val="dk1"/>
+    </dgm:txFillClrLst>
+    <dgm:txEffectClrLst/>
+  </dgm:styleLbl>
+  <dgm:styleLbl name="parChTrans2D1">
+    <dgm:fillClrLst meth="repeat">
+      <a:schemeClr val="accent5">
+        <a:tint val="60000"/>
+      </a:schemeClr>
+    </dgm:fillClrLst>
+    <dgm:linClrLst meth="repeat">
+      <a:schemeClr val="accent5">
+        <a:tint val="60000"/>
+      </a:schemeClr>
+    </dgm:linClrLst>
+    <dgm:effectClrLst/>
+    <dgm:txLinClrLst/>
+    <dgm:txFillClrLst/>
+    <dgm:txEffectClrLst/>
+  </dgm:styleLbl>
+  <dgm:styleLbl name="parChTrans2D2">
+    <dgm:fillClrLst meth="repeat">
+      <a:schemeClr val="accent5"/>
+    </dgm:fillClrLst>
+    <dgm:linClrLst meth="repeat">
+      <a:schemeClr val="accent5"/>
+    </dgm:linClrLst>
+    <dgm:effectClrLst/>
+    <dgm:txLinClrLst/>
+    <dgm:txFillClrLst/>
+    <dgm:txEffectClrLst/>
+  </dgm:styleLbl>
+  <dgm:styleLbl name="parChTrans2D3">
+    <dgm:fillClrLst meth="repeat">
+      <a:schemeClr val="accent5"/>
+    </dgm:fillClrLst>
+    <dgm:linClrLst meth="repeat">
+      <a:schemeClr val="accent5"/>
+    </dgm:linClrLst>
+    <dgm:effectClrLst/>
+    <dgm:txLinClrLst/>
+    <dgm:txFillClrLst/>
+    <dgm:txEffectClrLst/>
+  </dgm:styleLbl>
   <dgm:styleLbl name="parChTrans2D4">
     <dgm:fillClrLst meth="repeat">
-      <a:schemeClr val="accent1"/>
+      <a:schemeClr val="accent5"/>
     </dgm:fillClrLst>
     <dgm:linClrLst meth="repeat">
-      <a:schemeClr val="accent1"/>
+      <a:schemeClr val="accent5"/>
     </dgm:linClrLst>
     <dgm:effectClrLst/>
     <dgm:txLinClrLst/>
@@ -472,10 +526,10 @@
   </dgm:styleLbl>
   <dgm:styleLbl name="parChTrans1D1">
     <dgm:fillClrLst meth="repeat">
-      <a:schemeClr val="accent1"/>
+      <a:schemeClr val="accent5"/>
     </dgm:fillClrLst>
     <dgm:linClrLst meth="repeat">
-      <a:schemeClr val="accent1">
+      <a:schemeClr val="accent5">
         <a:shade val="60000"/>
       </a:schemeClr>
     </dgm:linClrLst>
@@ -488,10 +542,10 @@
   </dgm:styleLbl>
   <dgm:styleLbl name="parChTrans1D2">
     <dgm:fillClrLst meth="repeat">
-      <a:schemeClr val="accent1"/>
+      <a:schemeClr val="accent5"/>
     </dgm:fillClrLst>
     <dgm:linClrLst meth="repeat">
-      <a:schemeClr val="accent1">
+      <a:schemeClr val="accent5">
         <a:shade val="60000"/>
       </a:schemeClr>
     </dgm:linClrLst>
@@ -504,10 +558,10 @@
   </dgm:styleLbl>
   <dgm:styleLbl name="parChTrans1D3">
     <dgm:fillClrLst meth="repeat">
-      <a:schemeClr val="accent1"/>
+      <a:schemeClr val="accent5"/>
     </dgm:fillClrLst>
     <dgm:linClrLst meth="repeat">
-      <a:schemeClr val="accent1">
+      <a:schemeClr val="accent5">
         <a:shade val="80000"/>
       </a:schemeClr>
     </dgm:linClrLst>
@@ -520,10 +574,10 @@
   </dgm:styleLbl>
   <dgm:styleLbl name="parChTrans1D4">
     <dgm:fillClrLst meth="repeat">
-      <a:schemeClr val="accent1"/>
+      <a:schemeClr val="accent5"/>
     </dgm:fillClrLst>
     <dgm:linClrLst meth="repeat">
-      <a:schemeClr val="accent1">
+      <a:schemeClr val="accent5">
         <a:shade val="80000"/>
       </a:schemeClr>
     </dgm:linClrLst>
@@ -536,12 +590,13 @@
   </dgm:styleLbl>
   <dgm:styleLbl name="fgAcc1">
     <dgm:fillClrLst meth="repeat">
-      <a:schemeClr val="lt1">
+      <a:schemeClr val="accent5">
         <a:alpha val="90000"/>
+        <a:tint val="40000"/>
       </a:schemeClr>
     </dgm:fillClrLst>
     <dgm:linClrLst meth="repeat">
-      <a:schemeClr val="accent1"/>
+      <a:schemeClr val="accent5"/>
     </dgm:linClrLst>
     <dgm:effectClrLst/>
     <dgm:txLinClrLst/>
@@ -552,12 +607,13 @@
   </dgm:styleLbl>
   <dgm:styleLbl name="conFgAcc1">
     <dgm:fillClrLst meth="repeat">
-      <a:schemeClr val="lt1">
+      <a:schemeClr val="accent5">
         <a:alpha val="90000"/>
+        <a:tint val="40000"/>
       </a:schemeClr>
     </dgm:fillClrLst>
     <dgm:linClrLst meth="repeat">
-      <a:schemeClr val="accent1"/>
+      <a:schemeClr val="accent5"/>
     </dgm:linClrLst>
     <dgm:effectClrLst/>
     <dgm:txLinClrLst/>
@@ -568,12 +624,13 @@
   </dgm:styleLbl>
   <dgm:styleLbl name="alignAcc1">
     <dgm:fillClrLst meth="repeat">
-      <a:schemeClr val="lt1">
+      <a:schemeClr val="accent5">
         <a:alpha val="90000"/>
+        <a:tint val="40000"/>
       </a:schemeClr>
     </dgm:fillClrLst>
     <dgm:linClrLst meth="repeat">
-      <a:schemeClr val="accent1"/>
+      <a:schemeClr val="accent5"/>
     </dgm:linClrLst>
     <dgm:effectClrLst/>
     <dgm:txLinClrLst/>
@@ -584,12 +641,13 @@
   </dgm:styleLbl>
   <dgm:styleLbl name="trAlignAcc1">
     <dgm:fillClrLst meth="repeat">
-      <a:schemeClr val="lt1">
+      <a:schemeClr val="accent5">
         <a:alpha val="40000"/>
+        <a:tint val="40000"/>
       </a:schemeClr>
     </dgm:fillClrLst>
     <dgm:linClrLst meth="repeat">
-      <a:schemeClr val="accent1"/>
+      <a:schemeClr val="accent5"/>
     </dgm:linClrLst>
     <dgm:effectClrLst/>
     <dgm:txLinClrLst/>
@@ -600,12 +658,13 @@
   </dgm:styleLbl>
   <dgm:styleLbl name="bgAcc1">
     <dgm:fillClrLst meth="repeat">
-      <a:schemeClr val="lt1">
+      <a:schemeClr val="accent5">
         <a:alpha val="90000"/>
+        <a:tint val="40000"/>
       </a:schemeClr>
     </dgm:fillClrLst>
     <dgm:linClrLst meth="repeat">
-      <a:schemeClr val="accent1"/>
+      <a:schemeClr val="accent5"/>
     </dgm:linClrLst>
     <dgm:effectClrLst/>
     <dgm:txLinClrLst/>
@@ -619,7 +678,7 @@
       <a:schemeClr val="lt1"/>
     </dgm:fillClrLst>
     <dgm:linClrLst meth="repeat">
-      <a:schemeClr val="accent1"/>
+      <a:schemeClr val="accent5"/>
     </dgm:linClrLst>
     <dgm:effectClrLst/>
     <dgm:txLinClrLst/>
@@ -633,7 +692,7 @@
       <a:schemeClr val="lt1"/>
     </dgm:fillClrLst>
     <dgm:linClrLst meth="repeat">
-      <a:schemeClr val="accent1"/>
+      <a:schemeClr val="accent5"/>
     </dgm:linClrLst>
     <dgm:effectClrLst/>
     <dgm:txLinClrLst/>
@@ -647,7 +706,7 @@
       <a:schemeClr val="lt1"/>
     </dgm:fillClrLst>
     <dgm:linClrLst meth="repeat">
-      <a:schemeClr val="accent1"/>
+      <a:schemeClr val="accent5"/>
     </dgm:linClrLst>
     <dgm:effectClrLst/>
     <dgm:txLinClrLst/>
@@ -658,15 +717,14 @@
   </dgm:styleLbl>
   <dgm:styleLbl name="fgAccFollowNode1">
     <dgm:fillClrLst meth="repeat">
-      <a:schemeClr val="accent1">
+      <a:schemeClr val="lt1">
         <a:alpha val="90000"/>
         <a:tint val="40000"/>
       </a:schemeClr>
     </dgm:fillClrLst>
     <dgm:linClrLst meth="repeat">
-      <a:schemeClr val="accent1">
+      <a:schemeClr val="accent5">
         <a:alpha val="90000"/>
-        <a:tint val="40000"/>
       </a:schemeClr>
     </dgm:linClrLst>
     <dgm:effectClrLst/>
@@ -678,15 +736,14 @@
   </dgm:styleLbl>
   <dgm:styleLbl name="alignAccFollowNode1">
     <dgm:fillClrLst meth="repeat">
-      <a:schemeClr val="accent1">
+      <a:schemeClr val="lt1">
         <a:alpha val="90000"/>
         <a:tint val="40000"/>
       </a:schemeClr>
     </dgm:fillClrLst>
     <dgm:linClrLst meth="repeat">
-      <a:schemeClr val="accent1">
+      <a:schemeClr val="accent5">
         <a:alpha val="90000"/>
-        <a:tint val="40000"/>
       </a:schemeClr>
     </dgm:linClrLst>
     <dgm:effectClrLst/>
@@ -698,15 +755,14 @@
   </dgm:styleLbl>
   <dgm:styleLbl name="bgAccFollowNode1">
     <dgm:fillClrLst meth="repeat">
-      <a:schemeClr val="accent1">
+      <a:schemeClr val="lt1">
         <a:alpha val="90000"/>
         <a:tint val="40000"/>
       </a:schemeClr>
     </dgm:fillClrLst>
     <dgm:linClrLst meth="repeat">
-      <a:schemeClr val="accent1">
+      <a:schemeClr val="accent5">
         <a:alpha val="90000"/>
-        <a:tint val="40000"/>
       </a:schemeClr>
     </dgm:linClrLst>
     <dgm:effectClrLst/>
@@ -718,12 +774,13 @@
   </dgm:styleLbl>
   <dgm:styleLbl name="fgAcc0">
     <dgm:fillClrLst meth="repeat">
-      <a:schemeClr val="lt1">
+      <a:schemeClr val="accent5">
         <a:alpha val="90000"/>
+        <a:tint val="40000"/>
       </a:schemeClr>
     </dgm:fillClrLst>
     <dgm:linClrLst meth="repeat">
-      <a:schemeClr val="accent1"/>
+      <a:schemeClr val="accent5"/>
     </dgm:linClrLst>
     <dgm:effectClrLst/>
     <dgm:txLinClrLst/>
@@ -734,12 +791,13 @@
   </dgm:styleLbl>
   <dgm:styleLbl name="fgAcc2">
     <dgm:fillClrLst meth="repeat">
-      <a:schemeClr val="lt1">
+      <a:schemeClr val="accent5">
         <a:alpha val="90000"/>
+        <a:tint val="40000"/>
       </a:schemeClr>
     </dgm:fillClrLst>
     <dgm:linClrLst meth="repeat">
-      <a:schemeClr val="accent1"/>
+      <a:schemeClr val="accent5"/>
     </dgm:linClrLst>
     <dgm:effectClrLst/>
     <dgm:txLinClrLst/>
@@ -750,12 +808,13 @@
   </dgm:styleLbl>
   <dgm:styleLbl name="fgAcc3">
     <dgm:fillClrLst meth="repeat">
-      <a:schemeClr val="lt1">
+      <a:schemeClr val="accent5">
         <a:alpha val="90000"/>
+        <a:tint val="40000"/>
       </a:schemeClr>
     </dgm:fillClrLst>
     <dgm:linClrLst meth="repeat">
-      <a:schemeClr val="accent1"/>
+      <a:schemeClr val="accent5"/>
     </dgm:linClrLst>
     <dgm:effectClrLst/>
     <dgm:txLinClrLst/>
@@ -766,12 +825,13 @@
   </dgm:styleLbl>
   <dgm:styleLbl name="fgAcc4">
     <dgm:fillClrLst meth="repeat">
-      <a:schemeClr val="lt1">
+      <a:schemeClr val="accent5">
         <a:alpha val="90000"/>
+        <a:tint val="40000"/>
       </a:schemeClr>
     </dgm:fillClrLst>
     <dgm:linClrLst meth="repeat">
-      <a:schemeClr val="accent1"/>
+      <a:schemeClr val="accent5"/>
     </dgm:linClrLst>
     <dgm:effectClrLst/>
     <dgm:txLinClrLst/>
@@ -782,12 +842,12 @@
   </dgm:styleLbl>
   <dgm:styleLbl name="bgShp">
     <dgm:fillClrLst meth="repeat">
-      <a:schemeClr val="accent1">
+      <a:schemeClr val="accent5">
         <a:tint val="40000"/>
       </a:schemeClr>
     </dgm:fillClrLst>
     <dgm:linClrLst meth="repeat">
-      <a:schemeClr val="accent1"/>
+      <a:schemeClr val="accent5"/>
     </dgm:linClrLst>
     <dgm:effectClrLst/>
     <dgm:txLinClrLst/>
@@ -798,12 +858,12 @@
   </dgm:styleLbl>
   <dgm:styleLbl name="dkBgShp">
     <dgm:fillClrLst meth="repeat">
-      <a:schemeClr val="accent1">
+      <a:schemeClr val="accent5">
         <a:shade val="80000"/>
       </a:schemeClr>
     </dgm:fillClrLst>
     <dgm:linClrLst meth="repeat">
-      <a:schemeClr val="accent1"/>
+      <a:schemeClr val="accent5"/>
     </dgm:linClrLst>
     <dgm:effectClrLst/>
     <dgm:txLinClrLst/>
@@ -814,13 +874,13 @@
   </dgm:styleLbl>
   <dgm:styleLbl name="trBgShp">
     <dgm:fillClrLst meth="repeat">
-      <a:schemeClr val="accent1">
+      <a:schemeClr val="accent5">
         <a:tint val="50000"/>
         <a:alpha val="40000"/>
       </a:schemeClr>
     </dgm:fillClrLst>
     <dgm:linClrLst meth="repeat">
-      <a:schemeClr val="accent1"/>
+      <a:schemeClr val="accent5"/>
     </dgm:linClrLst>
     <dgm:effectClrLst/>
     <dgm:txLinClrLst/>
@@ -831,7 +891,7 @@
   </dgm:styleLbl>
   <dgm:styleLbl name="fgShp">
     <dgm:fillClrLst meth="repeat">
-      <a:schemeClr val="accent1">
+      <a:schemeClr val="accent5">
         <a:tint val="60000"/>
       </a:schemeClr>
     </dgm:fillClrLst>
@@ -870,44 +930,8 @@
 <dgm:dataModel xmlns:dgm="http://schemas.openxmlformats.org/drawingml/2006/diagram" xmlns:a="http://schemas.openxmlformats.org/drawingml/2006/main">
   <dgm:ptLst>
     <dgm:pt modelId="{CD93EF4B-FBB4-AA4D-9EC0-4C975DCF9974}" type="doc">
-      <dgm:prSet loTypeId="urn:microsoft.com/office/officeart/2005/8/layout/chevron1" loCatId="" qsTypeId="urn:microsoft.com/office/officeart/2005/8/quickstyle/simple1" qsCatId="simple" csTypeId="urn:microsoft.com/office/officeart/2005/8/colors/accent1_2" csCatId="accent1" phldr="1"/>
+      <dgm:prSet loTypeId="urn:microsoft.com/office/officeart/2005/8/layout/chevron1" loCatId="" qsTypeId="urn:microsoft.com/office/officeart/2005/8/quickstyle/simple1" qsCatId="simple" csTypeId="urn:microsoft.com/office/officeart/2005/8/colors/accent5_1" csCatId="accent5" phldr="1"/>
       <dgm:spPr/>
-    </dgm:pt>
-    <dgm:pt modelId="{947B1DCC-F5EA-7A46-AAD0-C45F3E03D31D}">
-      <dgm:prSet phldrT="[Text]"/>
-      <dgm:spPr/>
-      <dgm:t>
-        <a:bodyPr/>
-        <a:lstStyle/>
-        <a:p>
-          <a:r>
-            <a:rPr lang="en-US" dirty="0"/>
-            <a:t>1875</a:t>
-          </a:r>
-        </a:p>
-      </dgm:t>
-    </dgm:pt>
-    <dgm:pt modelId="{ABDB6CFD-F44E-9248-ADEE-032BD355DCB2}" type="parTrans" cxnId="{D6B7761A-AC7E-0640-BB3F-4DA02040E431}">
-      <dgm:prSet/>
-      <dgm:spPr/>
-      <dgm:t>
-        <a:bodyPr/>
-        <a:lstStyle/>
-        <a:p>
-          <a:endParaRPr lang="en-US"/>
-        </a:p>
-      </dgm:t>
-    </dgm:pt>
-    <dgm:pt modelId="{0ACF388A-B4B1-494F-BA61-AE0A9F7C2252}" type="sibTrans" cxnId="{D6B7761A-AC7E-0640-BB3F-4DA02040E431}">
-      <dgm:prSet/>
-      <dgm:spPr/>
-      <dgm:t>
-        <a:bodyPr/>
-        <a:lstStyle/>
-        <a:p>
-          <a:endParaRPr lang="en-US"/>
-        </a:p>
-      </dgm:t>
     </dgm:pt>
     <dgm:pt modelId="{2C2F2467-B59A-A444-A8CF-8ED2317F46F4}">
       <dgm:prSet phldrT="[Text]"/>
@@ -918,7 +942,7 @@
         <a:p>
           <a:r>
             <a:rPr lang="en-US" dirty="0"/>
-            <a:t>2013</a:t>
+            <a:t>2012</a:t>
           </a:r>
         </a:p>
       </dgm:t>
@@ -1017,6 +1041,42 @@
         </a:p>
       </dgm:t>
     </dgm:pt>
+    <dgm:pt modelId="{A81A316A-A21D-ED43-BF82-CC9456D45365}">
+      <dgm:prSet/>
+      <dgm:spPr/>
+      <dgm:t>
+        <a:bodyPr/>
+        <a:lstStyle/>
+        <a:p>
+          <a:r>
+            <a:rPr lang="en-US" dirty="0"/>
+            <a:t>2011</a:t>
+          </a:r>
+        </a:p>
+      </dgm:t>
+    </dgm:pt>
+    <dgm:pt modelId="{188D3560-6AC3-BB4F-8057-BE2E8A0002F8}" type="parTrans" cxnId="{DAAAE72B-B178-974F-B1BB-896B8FC799F6}">
+      <dgm:prSet/>
+      <dgm:spPr/>
+      <dgm:t>
+        <a:bodyPr/>
+        <a:lstStyle/>
+        <a:p>
+          <a:endParaRPr lang="en-US"/>
+        </a:p>
+      </dgm:t>
+    </dgm:pt>
+    <dgm:pt modelId="{5CB5F3DC-F9B8-A64A-9D92-02C3ECC21356}" type="sibTrans" cxnId="{DAAAE72B-B178-974F-B1BB-896B8FC799F6}">
+      <dgm:prSet/>
+      <dgm:spPr/>
+      <dgm:t>
+        <a:bodyPr/>
+        <a:lstStyle/>
+        <a:p>
+          <a:endParaRPr lang="en-US"/>
+        </a:p>
+      </dgm:t>
+    </dgm:pt>
     <dgm:pt modelId="{3763E194-A718-C647-AE98-110D409A2EFD}" type="pres">
       <dgm:prSet presAssocID="{CD93EF4B-FBB4-AA4D-9EC0-4C975DCF9974}" presName="Name0" presStyleCnt="0">
         <dgm:presLayoutVars>
@@ -1027,22 +1087,8 @@
       </dgm:prSet>
       <dgm:spPr/>
     </dgm:pt>
-    <dgm:pt modelId="{81878C73-A0E5-B447-A032-70D217951139}" type="pres">
-      <dgm:prSet presAssocID="{947B1DCC-F5EA-7A46-AAD0-C45F3E03D31D}" presName="parTxOnly" presStyleLbl="node1" presStyleIdx="0" presStyleCnt="4">
-        <dgm:presLayoutVars>
-          <dgm:chMax val="0"/>
-          <dgm:chPref val="0"/>
-          <dgm:bulletEnabled val="1"/>
-        </dgm:presLayoutVars>
-      </dgm:prSet>
-      <dgm:spPr/>
-    </dgm:pt>
-    <dgm:pt modelId="{A59DDDE3-4D66-3545-A02F-68B2EE241DB0}" type="pres">
-      <dgm:prSet presAssocID="{0ACF388A-B4B1-494F-BA61-AE0A9F7C2252}" presName="parTxOnlySpace" presStyleCnt="0"/>
-      <dgm:spPr/>
-    </dgm:pt>
     <dgm:pt modelId="{AE72FEDE-71FA-3544-9F97-2E56F4697866}" type="pres">
-      <dgm:prSet presAssocID="{797A0E0B-3C85-2D44-B6EF-C3E4FF409F20}" presName="parTxOnly" presStyleLbl="node1" presStyleIdx="1" presStyleCnt="4">
+      <dgm:prSet presAssocID="{797A0E0B-3C85-2D44-B6EF-C3E4FF409F20}" presName="parTxOnly" presStyleLbl="node1" presStyleIdx="0" presStyleCnt="4">
         <dgm:presLayoutVars>
           <dgm:chMax val="0"/>
           <dgm:chPref val="0"/>
@@ -1056,7 +1102,7 @@
       <dgm:spPr/>
     </dgm:pt>
     <dgm:pt modelId="{71CB9E34-C604-B643-BFB2-20B059116AE8}" type="pres">
-      <dgm:prSet presAssocID="{F397A6D5-0159-B840-9D44-F5BB3E28D38E}" presName="parTxOnly" presStyleLbl="node1" presStyleIdx="2" presStyleCnt="4">
+      <dgm:prSet presAssocID="{F397A6D5-0159-B840-9D44-F5BB3E28D38E}" presName="parTxOnly" presStyleLbl="node1" presStyleIdx="1" presStyleCnt="4">
         <dgm:presLayoutVars>
           <dgm:chMax val="0"/>
           <dgm:chPref val="0"/>
@@ -1067,6 +1113,20 @@
     </dgm:pt>
     <dgm:pt modelId="{EFF8D420-8212-AA43-957D-BFCC0C3FFB2D}" type="pres">
       <dgm:prSet presAssocID="{F47BD2A9-E970-F141-8336-11F939625089}" presName="parTxOnlySpace" presStyleCnt="0"/>
+      <dgm:spPr/>
+    </dgm:pt>
+    <dgm:pt modelId="{6C050466-3789-4040-B257-612305F4E115}" type="pres">
+      <dgm:prSet presAssocID="{A81A316A-A21D-ED43-BF82-CC9456D45365}" presName="parTxOnly" presStyleLbl="node1" presStyleIdx="2" presStyleCnt="4">
+        <dgm:presLayoutVars>
+          <dgm:chMax val="0"/>
+          <dgm:chPref val="0"/>
+          <dgm:bulletEnabled val="1"/>
+        </dgm:presLayoutVars>
+      </dgm:prSet>
+      <dgm:spPr/>
+    </dgm:pt>
+    <dgm:pt modelId="{4B3799DE-E9E4-0B43-98B1-D4B25150E465}" type="pres">
+      <dgm:prSet presAssocID="{5CB5F3DC-F9B8-A64A-9D92-02C3ECC21356}" presName="parTxOnlySpace" presStyleCnt="0"/>
       <dgm:spPr/>
     </dgm:pt>
     <dgm:pt modelId="{D9AE41FF-C219-4D48-88FB-161F2AB6AFE8}" type="pres">
@@ -1081,21 +1141,21 @@
     </dgm:pt>
   </dgm:ptLst>
   <dgm:cxnLst>
-    <dgm:cxn modelId="{D6B7761A-AC7E-0640-BB3F-4DA02040E431}" srcId="{CD93EF4B-FBB4-AA4D-9EC0-4C975DCF9974}" destId="{947B1DCC-F5EA-7A46-AAD0-C45F3E03D31D}" srcOrd="0" destOrd="0" parTransId="{ABDB6CFD-F44E-9248-ADEE-032BD355DCB2}" sibTransId="{0ACF388A-B4B1-494F-BA61-AE0A9F7C2252}"/>
-    <dgm:cxn modelId="{CE6F322C-4A72-9E4A-B83D-8F32650D7F37}" srcId="{CD93EF4B-FBB4-AA4D-9EC0-4C975DCF9974}" destId="{797A0E0B-3C85-2D44-B6EF-C3E4FF409F20}" srcOrd="1" destOrd="0" parTransId="{94358402-2645-AE47-A09B-2BBCCFC5167F}" sibTransId="{FEFDFD6F-B320-404E-89FB-BE969DBBC1C6}"/>
+    <dgm:cxn modelId="{DAAAE72B-B178-974F-B1BB-896B8FC799F6}" srcId="{CD93EF4B-FBB4-AA4D-9EC0-4C975DCF9974}" destId="{A81A316A-A21D-ED43-BF82-CC9456D45365}" srcOrd="2" destOrd="0" parTransId="{188D3560-6AC3-BB4F-8057-BE2E8A0002F8}" sibTransId="{5CB5F3DC-F9B8-A64A-9D92-02C3ECC21356}"/>
+    <dgm:cxn modelId="{CE6F322C-4A72-9E4A-B83D-8F32650D7F37}" srcId="{CD93EF4B-FBB4-AA4D-9EC0-4C975DCF9974}" destId="{797A0E0B-3C85-2D44-B6EF-C3E4FF409F20}" srcOrd="0" destOrd="0" parTransId="{94358402-2645-AE47-A09B-2BBCCFC5167F}" sibTransId="{FEFDFD6F-B320-404E-89FB-BE969DBBC1C6}"/>
     <dgm:cxn modelId="{54A4342F-CCD6-D44A-B8BF-3C075EACF79C}" type="presOf" srcId="{CD93EF4B-FBB4-AA4D-9EC0-4C975DCF9974}" destId="{3763E194-A718-C647-AE98-110D409A2EFD}" srcOrd="0" destOrd="0" presId="urn:microsoft.com/office/officeart/2005/8/layout/chevron1"/>
-    <dgm:cxn modelId="{36F14B78-3C97-5C4A-B595-FF084856406D}" type="presOf" srcId="{947B1DCC-F5EA-7A46-AAD0-C45F3E03D31D}" destId="{81878C73-A0E5-B447-A032-70D217951139}" srcOrd="0" destOrd="0" presId="urn:microsoft.com/office/officeart/2005/8/layout/chevron1"/>
     <dgm:cxn modelId="{B70FA489-7688-BB49-8B3F-943A39169B01}" srcId="{CD93EF4B-FBB4-AA4D-9EC0-4C975DCF9974}" destId="{2C2F2467-B59A-A444-A8CF-8ED2317F46F4}" srcOrd="3" destOrd="0" parTransId="{C7B34CF6-B4E5-A34A-8F54-51920CE8C37F}" sibTransId="{A1B2862E-F8B2-9C4C-B91D-189CE1FD1109}"/>
+    <dgm:cxn modelId="{57A415AF-C329-384D-8498-E7FEA2252680}" type="presOf" srcId="{A81A316A-A21D-ED43-BF82-CC9456D45365}" destId="{6C050466-3789-4040-B257-612305F4E115}" srcOrd="0" destOrd="0" presId="urn:microsoft.com/office/officeart/2005/8/layout/chevron1"/>
     <dgm:cxn modelId="{30008DB2-AFFD-154E-B504-5A5E16BACD85}" type="presOf" srcId="{F397A6D5-0159-B840-9D44-F5BB3E28D38E}" destId="{71CB9E34-C604-B643-BFB2-20B059116AE8}" srcOrd="0" destOrd="0" presId="urn:microsoft.com/office/officeart/2005/8/layout/chevron1"/>
     <dgm:cxn modelId="{BC4C7DD4-251D-1A47-971E-F5144BEAC3D1}" type="presOf" srcId="{797A0E0B-3C85-2D44-B6EF-C3E4FF409F20}" destId="{AE72FEDE-71FA-3544-9F97-2E56F4697866}" srcOrd="0" destOrd="0" presId="urn:microsoft.com/office/officeart/2005/8/layout/chevron1"/>
     <dgm:cxn modelId="{FC03C3EA-47C5-7C45-9893-222955BB014D}" type="presOf" srcId="{2C2F2467-B59A-A444-A8CF-8ED2317F46F4}" destId="{D9AE41FF-C219-4D48-88FB-161F2AB6AFE8}" srcOrd="0" destOrd="0" presId="urn:microsoft.com/office/officeart/2005/8/layout/chevron1"/>
-    <dgm:cxn modelId="{B84A10F4-E5C1-9A43-9B8D-44B521CD218C}" srcId="{CD93EF4B-FBB4-AA4D-9EC0-4C975DCF9974}" destId="{F397A6D5-0159-B840-9D44-F5BB3E28D38E}" srcOrd="2" destOrd="0" parTransId="{C055E7C8-CE91-8149-8E35-5C2CC7904CFD}" sibTransId="{F47BD2A9-E970-F141-8336-11F939625089}"/>
-    <dgm:cxn modelId="{D3C64FB5-15F4-7A49-837F-5622B3B6600C}" type="presParOf" srcId="{3763E194-A718-C647-AE98-110D409A2EFD}" destId="{81878C73-A0E5-B447-A032-70D217951139}" srcOrd="0" destOrd="0" presId="urn:microsoft.com/office/officeart/2005/8/layout/chevron1"/>
-    <dgm:cxn modelId="{49D0E5C7-2A8E-244E-8F9F-2B04A44DBBAC}" type="presParOf" srcId="{3763E194-A718-C647-AE98-110D409A2EFD}" destId="{A59DDDE3-4D66-3545-A02F-68B2EE241DB0}" srcOrd="1" destOrd="0" presId="urn:microsoft.com/office/officeart/2005/8/layout/chevron1"/>
-    <dgm:cxn modelId="{A636AD31-F3FC-AE45-BDAB-1513A5320BB4}" type="presParOf" srcId="{3763E194-A718-C647-AE98-110D409A2EFD}" destId="{AE72FEDE-71FA-3544-9F97-2E56F4697866}" srcOrd="2" destOrd="0" presId="urn:microsoft.com/office/officeart/2005/8/layout/chevron1"/>
-    <dgm:cxn modelId="{1881D31B-EF35-AF4A-8C7B-E113782C17BA}" type="presParOf" srcId="{3763E194-A718-C647-AE98-110D409A2EFD}" destId="{3782C434-B8FB-2546-8B68-507EF7FD0A51}" srcOrd="3" destOrd="0" presId="urn:microsoft.com/office/officeart/2005/8/layout/chevron1"/>
-    <dgm:cxn modelId="{29AC89E6-394D-784C-A2A6-06A42E1CD4A1}" type="presParOf" srcId="{3763E194-A718-C647-AE98-110D409A2EFD}" destId="{71CB9E34-C604-B643-BFB2-20B059116AE8}" srcOrd="4" destOrd="0" presId="urn:microsoft.com/office/officeart/2005/8/layout/chevron1"/>
-    <dgm:cxn modelId="{91459070-A693-3A49-9A8A-C51B72592371}" type="presParOf" srcId="{3763E194-A718-C647-AE98-110D409A2EFD}" destId="{EFF8D420-8212-AA43-957D-BFCC0C3FFB2D}" srcOrd="5" destOrd="0" presId="urn:microsoft.com/office/officeart/2005/8/layout/chevron1"/>
+    <dgm:cxn modelId="{B84A10F4-E5C1-9A43-9B8D-44B521CD218C}" srcId="{CD93EF4B-FBB4-AA4D-9EC0-4C975DCF9974}" destId="{F397A6D5-0159-B840-9D44-F5BB3E28D38E}" srcOrd="1" destOrd="0" parTransId="{C055E7C8-CE91-8149-8E35-5C2CC7904CFD}" sibTransId="{F47BD2A9-E970-F141-8336-11F939625089}"/>
+    <dgm:cxn modelId="{A636AD31-F3FC-AE45-BDAB-1513A5320BB4}" type="presParOf" srcId="{3763E194-A718-C647-AE98-110D409A2EFD}" destId="{AE72FEDE-71FA-3544-9F97-2E56F4697866}" srcOrd="0" destOrd="0" presId="urn:microsoft.com/office/officeart/2005/8/layout/chevron1"/>
+    <dgm:cxn modelId="{1881D31B-EF35-AF4A-8C7B-E113782C17BA}" type="presParOf" srcId="{3763E194-A718-C647-AE98-110D409A2EFD}" destId="{3782C434-B8FB-2546-8B68-507EF7FD0A51}" srcOrd="1" destOrd="0" presId="urn:microsoft.com/office/officeart/2005/8/layout/chevron1"/>
+    <dgm:cxn modelId="{29AC89E6-394D-784C-A2A6-06A42E1CD4A1}" type="presParOf" srcId="{3763E194-A718-C647-AE98-110D409A2EFD}" destId="{71CB9E34-C604-B643-BFB2-20B059116AE8}" srcOrd="2" destOrd="0" presId="urn:microsoft.com/office/officeart/2005/8/layout/chevron1"/>
+    <dgm:cxn modelId="{91459070-A693-3A49-9A8A-C51B72592371}" type="presParOf" srcId="{3763E194-A718-C647-AE98-110D409A2EFD}" destId="{EFF8D420-8212-AA43-957D-BFCC0C3FFB2D}" srcOrd="3" destOrd="0" presId="urn:microsoft.com/office/officeart/2005/8/layout/chevron1"/>
+    <dgm:cxn modelId="{722C54C1-D67C-F34F-B303-F399957B6ACC}" type="presParOf" srcId="{3763E194-A718-C647-AE98-110D409A2EFD}" destId="{6C050466-3789-4040-B257-612305F4E115}" srcOrd="4" destOrd="0" presId="urn:microsoft.com/office/officeart/2005/8/layout/chevron1"/>
+    <dgm:cxn modelId="{649646A5-AC7E-B64F-8885-D79777E429DE}" type="presParOf" srcId="{3763E194-A718-C647-AE98-110D409A2EFD}" destId="{4B3799DE-E9E4-0B43-98B1-D4B25150E465}" srcOrd="5" destOrd="0" presId="urn:microsoft.com/office/officeart/2005/8/layout/chevron1"/>
     <dgm:cxn modelId="{753DD0C8-B052-B143-96E5-A72D278140CF}" type="presParOf" srcId="{3763E194-A718-C647-AE98-110D409A2EFD}" destId="{D9AE41FF-C219-4D48-88FB-161F2AB6AFE8}" srcOrd="6" destOrd="0" presId="urn:microsoft.com/office/officeart/2005/8/layout/chevron1"/>
   </dgm:cxnLst>
   <dgm:bg/>
@@ -1116,7 +1176,7 @@
       <dsp:cNvGrpSpPr/>
     </dsp:nvGrpSpPr>
     <dsp:grpSpPr/>
-    <dsp:sp modelId="{81878C73-A0E5-B447-A032-70D217951139}">
+    <dsp:sp modelId="{AE72FEDE-71FA-3544-9F97-2E56F4697866}">
       <dsp:nvSpPr>
         <dsp:cNvPr id="0" name=""/>
         <dsp:cNvSpPr/>
@@ -1130,7 +1190,7 @@
           <a:avLst/>
         </a:prstGeom>
         <a:solidFill>
-          <a:schemeClr val="accent1">
+          <a:schemeClr val="lt1">
             <a:hueOff val="0"/>
             <a:satOff val="0"/>
             <a:lumOff val="0"/>
@@ -1139,84 +1199,8 @@
         </a:solidFill>
         <a:ln w="12700" cap="flat" cmpd="sng" algn="ctr">
           <a:solidFill>
-            <a:schemeClr val="lt1">
-              <a:hueOff val="0"/>
-              <a:satOff val="0"/>
-              <a:lumOff val="0"/>
-              <a:alphaOff val="0"/>
-            </a:schemeClr>
-          </a:solidFill>
-          <a:prstDash val="solid"/>
-        </a:ln>
-        <a:effectLst/>
-      </dsp:spPr>
-      <dsp:style>
-        <a:lnRef idx="2">
-          <a:scrgbClr r="0" g="0" b="0"/>
-        </a:lnRef>
-        <a:fillRef idx="1">
-          <a:scrgbClr r="0" g="0" b="0"/>
-        </a:fillRef>
-        <a:effectRef idx="0">
-          <a:scrgbClr r="0" g="0" b="0"/>
-        </a:effectRef>
-        <a:fontRef idx="minor">
-          <a:schemeClr val="lt1"/>
-        </a:fontRef>
-      </dsp:style>
-      <dsp:txBody>
-        <a:bodyPr spcFirstLastPara="0" vert="horz" wrap="square" lIns="152019" tIns="50673" rIns="50673" bIns="50673" numCol="1" spcCol="1270" anchor="ctr" anchorCtr="0">
-          <a:noAutofit/>
-        </a:bodyPr>
-        <a:lstStyle/>
-        <a:p>
-          <a:pPr marL="0" lvl="0" indent="0" algn="ctr" defTabSz="1689100">
-            <a:lnSpc>
-              <a:spcPct val="90000"/>
-            </a:lnSpc>
-            <a:spcBef>
-              <a:spcPct val="0"/>
-            </a:spcBef>
-            <a:spcAft>
-              <a:spcPct val="35000"/>
-            </a:spcAft>
-            <a:buNone/>
-          </a:pPr>
-          <a:r>
-            <a:rPr lang="en-US" sz="3800" kern="1200" dirty="0"/>
-            <a:t>1875</a:t>
-          </a:r>
-        </a:p>
-      </dsp:txBody>
-      <dsp:txXfrm>
-        <a:off x="482328" y="338075"/>
-        <a:ext cx="1434663" cy="956442"/>
-      </dsp:txXfrm>
-    </dsp:sp>
-    <dsp:sp modelId="{AE72FEDE-71FA-3544-9F97-2E56F4697866}">
-      <dsp:nvSpPr>
-        <dsp:cNvPr id="0" name=""/>
-        <dsp:cNvSpPr/>
-      </dsp:nvSpPr>
-      <dsp:spPr>
-        <a:xfrm>
-          <a:off x="2156102" y="338075"/>
-          <a:ext cx="2391105" cy="956442"/>
-        </a:xfrm>
-        <a:prstGeom prst="chevron">
-          <a:avLst/>
-        </a:prstGeom>
-        <a:solidFill>
-          <a:schemeClr val="accent1">
-            <a:hueOff val="0"/>
-            <a:satOff val="0"/>
-            <a:lumOff val="0"/>
-            <a:alphaOff val="0"/>
-          </a:schemeClr>
-        </a:solidFill>
-        <a:ln w="12700" cap="flat" cmpd="sng" algn="ctr">
-          <a:solidFill>
-            <a:schemeClr val="lt1">
+            <a:schemeClr val="accent5">
+              <a:shade val="80000"/>
               <a:hueOff val="0"/>
               <a:satOff val="0"/>
               <a:lumOff val="0"/>
@@ -1266,7 +1250,7 @@
         </a:p>
       </dsp:txBody>
       <dsp:txXfrm>
-        <a:off x="2634323" y="338075"/>
+        <a:off x="482328" y="338075"/>
         <a:ext cx="1434663" cy="956442"/>
       </dsp:txXfrm>
     </dsp:sp>
@@ -1277,14 +1261,14 @@
       </dsp:nvSpPr>
       <dsp:spPr>
         <a:xfrm>
-          <a:off x="4308098" y="338075"/>
+          <a:off x="2156102" y="338075"/>
           <a:ext cx="2391105" cy="956442"/>
         </a:xfrm>
         <a:prstGeom prst="chevron">
           <a:avLst/>
         </a:prstGeom>
         <a:solidFill>
-          <a:schemeClr val="accent1">
+          <a:schemeClr val="lt1">
             <a:hueOff val="0"/>
             <a:satOff val="0"/>
             <a:lumOff val="0"/>
@@ -1293,7 +1277,8 @@
         </a:solidFill>
         <a:ln w="12700" cap="flat" cmpd="sng" algn="ctr">
           <a:solidFill>
-            <a:schemeClr val="lt1">
+            <a:schemeClr val="accent5">
+              <a:shade val="80000"/>
               <a:hueOff val="0"/>
               <a:satOff val="0"/>
               <a:lumOff val="0"/>
@@ -1343,25 +1328,25 @@
         </a:p>
       </dsp:txBody>
       <dsp:txXfrm>
-        <a:off x="4786319" y="338075"/>
+        <a:off x="2634323" y="338075"/>
         <a:ext cx="1434663" cy="956442"/>
       </dsp:txXfrm>
     </dsp:sp>
-    <dsp:sp modelId="{D9AE41FF-C219-4D48-88FB-161F2AB6AFE8}">
+    <dsp:sp modelId="{6C050466-3789-4040-B257-612305F4E115}">
       <dsp:nvSpPr>
         <dsp:cNvPr id="0" name=""/>
         <dsp:cNvSpPr/>
       </dsp:nvSpPr>
       <dsp:spPr>
         <a:xfrm>
-          <a:off x="6460093" y="338075"/>
+          <a:off x="4308098" y="338075"/>
           <a:ext cx="2391105" cy="956442"/>
         </a:xfrm>
         <a:prstGeom prst="chevron">
           <a:avLst/>
         </a:prstGeom>
         <a:solidFill>
-          <a:schemeClr val="accent1">
+          <a:schemeClr val="lt1">
             <a:hueOff val="0"/>
             <a:satOff val="0"/>
             <a:lumOff val="0"/>
@@ -1370,7 +1355,8 @@
         </a:solidFill>
         <a:ln w="12700" cap="flat" cmpd="sng" algn="ctr">
           <a:solidFill>
-            <a:schemeClr val="lt1">
+            <a:schemeClr val="accent5">
+              <a:shade val="80000"/>
               <a:hueOff val="0"/>
               <a:satOff val="0"/>
               <a:lumOff val="0"/>
@@ -1415,7 +1401,85 @@
           </a:pPr>
           <a:r>
             <a:rPr lang="en-US" sz="3800" kern="1200" dirty="0"/>
-            <a:t>2013</a:t>
+            <a:t>2011</a:t>
+          </a:r>
+        </a:p>
+      </dsp:txBody>
+      <dsp:txXfrm>
+        <a:off x="4786319" y="338075"/>
+        <a:ext cx="1434663" cy="956442"/>
+      </dsp:txXfrm>
+    </dsp:sp>
+    <dsp:sp modelId="{D9AE41FF-C219-4D48-88FB-161F2AB6AFE8}">
+      <dsp:nvSpPr>
+        <dsp:cNvPr id="0" name=""/>
+        <dsp:cNvSpPr/>
+      </dsp:nvSpPr>
+      <dsp:spPr>
+        <a:xfrm>
+          <a:off x="6460093" y="338075"/>
+          <a:ext cx="2391105" cy="956442"/>
+        </a:xfrm>
+        <a:prstGeom prst="chevron">
+          <a:avLst/>
+        </a:prstGeom>
+        <a:solidFill>
+          <a:schemeClr val="lt1">
+            <a:hueOff val="0"/>
+            <a:satOff val="0"/>
+            <a:lumOff val="0"/>
+            <a:alphaOff val="0"/>
+          </a:schemeClr>
+        </a:solidFill>
+        <a:ln w="12700" cap="flat" cmpd="sng" algn="ctr">
+          <a:solidFill>
+            <a:schemeClr val="accent5">
+              <a:shade val="80000"/>
+              <a:hueOff val="0"/>
+              <a:satOff val="0"/>
+              <a:lumOff val="0"/>
+              <a:alphaOff val="0"/>
+            </a:schemeClr>
+          </a:solidFill>
+          <a:prstDash val="solid"/>
+        </a:ln>
+        <a:effectLst/>
+      </dsp:spPr>
+      <dsp:style>
+        <a:lnRef idx="2">
+          <a:scrgbClr r="0" g="0" b="0"/>
+        </a:lnRef>
+        <a:fillRef idx="1">
+          <a:scrgbClr r="0" g="0" b="0"/>
+        </a:fillRef>
+        <a:effectRef idx="0">
+          <a:scrgbClr r="0" g="0" b="0"/>
+        </a:effectRef>
+        <a:fontRef idx="minor">
+          <a:schemeClr val="lt1"/>
+        </a:fontRef>
+      </dsp:style>
+      <dsp:txBody>
+        <a:bodyPr spcFirstLastPara="0" vert="horz" wrap="square" lIns="152019" tIns="50673" rIns="50673" bIns="50673" numCol="1" spcCol="1270" anchor="ctr" anchorCtr="0">
+          <a:noAutofit/>
+        </a:bodyPr>
+        <a:lstStyle/>
+        <a:p>
+          <a:pPr marL="0" lvl="0" indent="0" algn="ctr" defTabSz="1689100">
+            <a:lnSpc>
+              <a:spcPct val="90000"/>
+            </a:lnSpc>
+            <a:spcBef>
+              <a:spcPct val="0"/>
+            </a:spcBef>
+            <a:spcAft>
+              <a:spcPct val="35000"/>
+            </a:spcAft>
+            <a:buNone/>
+          </a:pPr>
+          <a:r>
+            <a:rPr lang="en-US" sz="3800" kern="1200" dirty="0"/>
+            <a:t>2012</a:t>
           </a:r>
         </a:p>
       </dsp:txBody>
@@ -3561,6 +3625,90 @@
 </file>
 
 <file path=ppt/notesSlides/notesSlide4.xml><?xml version="1.0" encoding="utf-8"?>
+<p:notes xmlns:a="http://schemas.openxmlformats.org/drawingml/2006/main" xmlns:r="http://schemas.openxmlformats.org/officeDocument/2006/relationships" xmlns:p="http://schemas.openxmlformats.org/presentationml/2006/main">
+  <p:cSld>
+    <p:spTree>
+      <p:nvGrpSpPr>
+        <p:cNvPr id="1" name=""/>
+        <p:cNvGrpSpPr/>
+        <p:nvPr/>
+      </p:nvGrpSpPr>
+      <p:grpSpPr>
+        <a:xfrm>
+          <a:off x="0" y="0"/>
+          <a:ext cx="0" cy="0"/>
+          <a:chOff x="0" y="0"/>
+          <a:chExt cx="0" cy="0"/>
+        </a:xfrm>
+      </p:grpSpPr>
+      <p:sp>
+        <p:nvSpPr>
+          <p:cNvPr id="2" name="Slide Image Placeholder 1"/>
+          <p:cNvSpPr>
+            <a:spLocks noGrp="1" noRot="1" noChangeAspect="1"/>
+          </p:cNvSpPr>
+          <p:nvPr>
+            <p:ph type="sldImg"/>
+          </p:nvPr>
+        </p:nvSpPr>
+        <p:spPr/>
+      </p:sp>
+      <p:sp>
+        <p:nvSpPr>
+          <p:cNvPr id="3" name="Notes Placeholder 2"/>
+          <p:cNvSpPr>
+            <a:spLocks noGrp="1"/>
+          </p:cNvSpPr>
+          <p:nvPr>
+            <p:ph type="body" idx="1"/>
+          </p:nvPr>
+        </p:nvSpPr>
+        <p:spPr/>
+        <p:txBody>
+          <a:bodyPr/>
+          <a:lstStyle/>
+          <a:p>
+            <a:endParaRPr lang="en-US" dirty="0"/>
+          </a:p>
+        </p:txBody>
+      </p:sp>
+      <p:sp>
+        <p:nvSpPr>
+          <p:cNvPr id="4" name="Slide Number Placeholder 3"/>
+          <p:cNvSpPr>
+            <a:spLocks noGrp="1"/>
+          </p:cNvSpPr>
+          <p:nvPr>
+            <p:ph type="sldNum" sz="quarter" idx="5"/>
+          </p:nvPr>
+        </p:nvSpPr>
+        <p:spPr/>
+        <p:txBody>
+          <a:bodyPr/>
+          <a:lstStyle/>
+          <a:p>
+            <a:fld id="{EB9A0D56-AF33-7D43-8573-C26567EA502E}" type="slidenum">
+              <a:rPr lang="en-US" smtClean="0"/>
+              <a:t>7</a:t>
+            </a:fld>
+            <a:endParaRPr lang="en-US"/>
+          </a:p>
+        </p:txBody>
+      </p:sp>
+    </p:spTree>
+    <p:extLst>
+      <p:ext uri="{BB962C8B-B14F-4D97-AF65-F5344CB8AC3E}">
+        <p14:creationId xmlns:p14="http://schemas.microsoft.com/office/powerpoint/2010/main" val="593544653"/>
+      </p:ext>
+    </p:extLst>
+  </p:cSld>
+  <p:clrMapOvr>
+    <a:masterClrMapping/>
+  </p:clrMapOvr>
+</p:notes>
+</file>
+
+<file path=ppt/notesSlides/notesSlide5.xml><?xml version="1.0" encoding="utf-8"?>
 <p:notes xmlns:a="http://schemas.openxmlformats.org/drawingml/2006/main" xmlns:r="http://schemas.openxmlformats.org/officeDocument/2006/relationships" xmlns:p="http://schemas.openxmlformats.org/presentationml/2006/main">
   <p:cSld>
     <p:spTree>
@@ -7274,21 +7422,14 @@
           <a:lstStyle/>
           <a:p>
             <a:r>
-              <a:rPr lang="en-US" sz="2000" dirty="0"/>
+              <a:rPr lang="en-US" sz="2400" dirty="0"/>
               <a:t>It’s an acute infection of the lungs.</a:t>
             </a:r>
           </a:p>
           <a:p>
-            <a:pPr lvl="1"/>
-            <a:r>
-              <a:rPr lang="en-US" sz="2000" dirty="0"/>
-              <a:t>Producing coughing, fever, chills, muscle aches, and difficulty breathing.</a:t>
-            </a:r>
-          </a:p>
-          <a:p>
-            <a:r>
-              <a:rPr lang="en-US" sz="2000" dirty="0"/>
-              <a:t>The pneumonic infection has been noted throughout human history, with mentions of the disease appearing during early Greek civilization.</a:t>
+            <a:r>
+              <a:rPr lang="en-US" sz="2400" dirty="0"/>
+              <a:t>First mentions of the disease appearing during early Greek civilization.</a:t>
             </a:r>
           </a:p>
           <a:p>
@@ -7310,13 +7451,13 @@
           <p:nvPr>
             <p:extLst>
               <p:ext uri="{D42A27DB-BD31-4B8C-83A1-F6EECF244321}">
-                <p14:modId xmlns:p14="http://schemas.microsoft.com/office/powerpoint/2010/main" val="3743127903"/>
+                <p14:modId xmlns:p14="http://schemas.microsoft.com/office/powerpoint/2010/main" val="3216075615"/>
               </p:ext>
             </p:extLst>
           </p:nvPr>
         </p:nvGraphicFramePr>
         <p:xfrm>
-          <a:off x="1668346" y="4704589"/>
+          <a:off x="1668346" y="4189035"/>
           <a:ext cx="8855307" cy="1632594"/>
         </p:xfrm>
         <a:graphic>
@@ -7408,7 +7549,13 @@
           <a:p>
             <a:r>
               <a:rPr lang="en-US" sz="2600" dirty="0"/>
-              <a:t>Increase in prevalence of pneumonia.</a:t>
+              <a:t>Technicians that read and process x-rays.</a:t>
+            </a:r>
+          </a:p>
+          <a:p>
+            <a:r>
+              <a:rPr lang="en-US" sz="2600" dirty="0"/>
+              <a:t>Increase in pneumonia cases.</a:t>
             </a:r>
           </a:p>
           <a:p>
@@ -7416,23 +7563,17 @@
               <a:rPr lang="en-US" sz="2600" dirty="0">
                 <a:latin typeface="+mj-lt"/>
               </a:rPr>
-              <a:t>Upsurge</a:t>
+              <a:t>Specifically</a:t>
             </a:r>
             <a:r>
               <a:rPr lang="en-US" sz="2600" dirty="0"/>
-              <a:t> in geriatric population with weaker immune systems.</a:t>
+              <a:t> in the older.</a:t>
             </a:r>
           </a:p>
           <a:p>
             <a:r>
               <a:rPr lang="en-US" sz="2600" dirty="0"/>
-              <a:t>Increase in incidence and spending for community-acquired pneumonia.</a:t>
-            </a:r>
-          </a:p>
-          <a:p>
-            <a:r>
-              <a:rPr lang="en-US" sz="2600" dirty="0"/>
-              <a:t>Surge in number of product launches.</a:t>
+              <a:t>More products available for treatment.</a:t>
             </a:r>
           </a:p>
         </p:txBody>
@@ -7511,20 +7652,25 @@
             <p:ph idx="1"/>
           </p:nvPr>
         </p:nvSpPr>
-        <p:spPr/>
+        <p:spPr>
+          <a:xfrm>
+            <a:off x="2231136" y="2247900"/>
+            <a:ext cx="7729728" cy="3101983"/>
+          </a:xfrm>
+        </p:spPr>
         <p:txBody>
           <a:bodyPr/>
           <a:lstStyle/>
           <a:p>
             <a:r>
-              <a:rPr lang="en-US" dirty="0"/>
-              <a:t>The data provided included 5,863 images.</a:t>
-            </a:r>
-          </a:p>
-          <a:p>
-            <a:r>
-              <a:rPr lang="en-US" dirty="0"/>
-              <a:t>It was provided by the Guangzhou Women and Children’s Medical Center.</a:t>
+              <a:rPr lang="en-US" sz="2400" dirty="0"/>
+              <a:t>Data includes 5,863 images.</a:t>
+            </a:r>
+          </a:p>
+          <a:p>
+            <a:r>
+              <a:rPr lang="en-US" sz="2400" dirty="0"/>
+              <a:t>Provided by the Guangzhou Women and Children’s Medical Center.</a:t>
             </a:r>
           </a:p>
           <a:p>
@@ -7662,15 +7808,34 @@
             <a:pPr lvl="1"/>
             <a:r>
               <a:rPr lang="en-US" sz="2400" dirty="0"/>
-              <a:t>Precision score allows accuracy with predicted positives.</a:t>
+              <a:t>Needed to reduce false negatives.</a:t>
             </a:r>
           </a:p>
           <a:p>
             <a:pPr lvl="1"/>
             <a:r>
               <a:rPr lang="en-US" sz="2400" dirty="0"/>
-              <a:t>Needed to reduce false negatives and false positives.</a:t>
-            </a:r>
+              <a:t>Precision score for predicting normal: 88%.</a:t>
+            </a:r>
+          </a:p>
+          <a:p>
+            <a:pPr lvl="1"/>
+            <a:r>
+              <a:rPr lang="en-US" sz="2400" dirty="0"/>
+              <a:t>Precision score for predicting pneumonia: 89%</a:t>
+            </a:r>
+          </a:p>
+          <a:p>
+            <a:pPr lvl="1"/>
+            <a:endParaRPr lang="en-US" sz="2400" dirty="0"/>
+          </a:p>
+          <a:p>
+            <a:pPr lvl="1"/>
+            <a:endParaRPr lang="en-US" sz="2400" dirty="0"/>
+          </a:p>
+          <a:p>
+            <a:pPr lvl="1"/>
+            <a:endParaRPr lang="en-US" sz="2400" dirty="0"/>
           </a:p>
           <a:p>
             <a:pPr lvl="1"/>
@@ -7789,8 +7954,8 @@
         </p:nvSpPr>
         <p:spPr>
           <a:xfrm>
-            <a:off x="207264" y="2450591"/>
-            <a:ext cx="3218688" cy="4025325"/>
+            <a:off x="1615440" y="3037771"/>
+            <a:ext cx="4038600" cy="1875605"/>
           </a:xfrm>
         </p:spPr>
         <p:txBody>
@@ -7801,23 +7966,23 @@
           <a:p>
             <a:r>
               <a:rPr lang="en-US" sz="2400" dirty="0"/>
-              <a:t>Precision score for predicting pneumonia: 83%.</a:t>
+              <a:t>Checked against random sample from internet.</a:t>
             </a:r>
           </a:p>
           <a:p>
             <a:r>
               <a:rPr lang="en-US" sz="2400" dirty="0"/>
-              <a:t>Precision score for predicting normal: 86%</a:t>
+              <a:t>Sample is claimed to be normal beforehand.</a:t>
             </a:r>
           </a:p>
         </p:txBody>
       </p:sp>
       <p:pic>
         <p:nvPicPr>
-          <p:cNvPr id="14" name="Picture 13">
+          <p:cNvPr id="18" name="Picture 17">
             <a:extLst>
               <a:ext uri="{FF2B5EF4-FFF2-40B4-BE49-F238E27FC236}">
-                <a16:creationId xmlns:a16="http://schemas.microsoft.com/office/drawing/2014/main" id="{6D4DCA72-084C-B640-B5D4-8750671531F6}"/>
+                <a16:creationId xmlns:a16="http://schemas.microsoft.com/office/drawing/2014/main" id="{4C05C8CD-8DFE-AD4C-99D9-A6240C024DDC}"/>
               </a:ext>
             </a:extLst>
           </p:cNvPr>
@@ -7827,15 +7992,15 @@
           <p:nvPr/>
         </p:nvPicPr>
         <p:blipFill>
-          <a:blip r:embed="rId2"/>
+          <a:blip r:embed="rId3"/>
           <a:stretch>
             <a:fillRect/>
           </a:stretch>
         </p:blipFill>
         <p:spPr>
           <a:xfrm>
-            <a:off x="3564636" y="2208716"/>
-            <a:ext cx="8420100" cy="4267200"/>
+            <a:off x="6537962" y="2055876"/>
+            <a:ext cx="4610100" cy="4711700"/>
           </a:xfrm>
           <a:prstGeom prst="rect">
             <a:avLst/>
@@ -7924,20 +8089,14 @@
           <a:lstStyle/>
           <a:p>
             <a:r>
-              <a:rPr lang="en-US" sz="2400" dirty="0"/>
-              <a:t>Chest radiographs are the most widely used tool for diagnosing pneumonia.</a:t>
-            </a:r>
-          </a:p>
-          <a:p>
-            <a:r>
-              <a:rPr lang="en-US" sz="2400" dirty="0"/>
-              <a:t>Early detection of pneumonia is crucial for determining the appropriate treatment of the disease.</a:t>
-            </a:r>
-          </a:p>
-          <a:p>
-            <a:r>
-              <a:rPr lang="en-US" sz="2400" dirty="0"/>
-              <a:t>Early detection can keep it from threatening the patient’s life.</a:t>
+              <a:rPr lang="en-US" sz="2800" dirty="0"/>
+              <a:t>Early detection of pneumonia is crucial. </a:t>
+            </a:r>
+          </a:p>
+          <a:p>
+            <a:r>
+              <a:rPr lang="en-US" sz="2800" dirty="0"/>
+              <a:t>It can keep it from threatening the patient’s life.</a:t>
             </a:r>
           </a:p>
         </p:txBody>

--- a/PneumoniaPresentation.pptx
+++ b/PneumoniaPresentation.pptx
@@ -116,6 +116,11 @@
       </a:defRPr>
     </a:lvl9pPr>
   </p:defaultTextStyle>
+  <p:extLst>
+    <p:ext uri="{EFAFB233-063F-42B5-8137-9DF3F51BA10A}">
+      <p15:sldGuideLst xmlns:p15="http://schemas.microsoft.com/office/powerpoint/2012/main"/>
+    </p:ext>
+  </p:extLst>
 </p:presentation>
 </file>
 
@@ -2891,7 +2896,7 @@
           <a:p>
             <a:fld id="{8E79C331-DCD2-5E4B-8BA4-C5ABFE4984D1}" type="datetimeFigureOut">
               <a:rPr lang="en-US" smtClean="0"/>
-              <a:t>11/17/21</a:t>
+              <a:t>11/19/21</a:t>
             </a:fld>
             <a:endParaRPr lang="en-US"/>
           </a:p>
@@ -3958,7 +3963,7 @@
           <a:p>
             <a:fld id="{D3AA9CE1-A5EA-8E4B-A2C6-12FEC9075F81}" type="datetimeFigureOut">
               <a:rPr lang="en-US" smtClean="0"/>
-              <a:t>11/17/21</a:t>
+              <a:t>11/19/21</a:t>
             </a:fld>
             <a:endParaRPr lang="en-US"/>
           </a:p>
@@ -4128,7 +4133,7 @@
           <a:p>
             <a:fld id="{D3AA9CE1-A5EA-8E4B-A2C6-12FEC9075F81}" type="datetimeFigureOut">
               <a:rPr lang="en-US" smtClean="0"/>
-              <a:t>11/17/21</a:t>
+              <a:t>11/19/21</a:t>
             </a:fld>
             <a:endParaRPr lang="en-US"/>
           </a:p>
@@ -4308,7 +4313,7 @@
           <a:p>
             <a:fld id="{D3AA9CE1-A5EA-8E4B-A2C6-12FEC9075F81}" type="datetimeFigureOut">
               <a:rPr lang="en-US" smtClean="0"/>
-              <a:t>11/17/21</a:t>
+              <a:t>11/19/21</a:t>
             </a:fld>
             <a:endParaRPr lang="en-US"/>
           </a:p>
@@ -4478,7 +4483,7 @@
           <a:p>
             <a:fld id="{D3AA9CE1-A5EA-8E4B-A2C6-12FEC9075F81}" type="datetimeFigureOut">
               <a:rPr lang="en-US" smtClean="0"/>
-              <a:t>11/17/21</a:t>
+              <a:t>11/19/21</a:t>
             </a:fld>
             <a:endParaRPr lang="en-US"/>
           </a:p>
@@ -4746,7 +4751,7 @@
           <a:p>
             <a:fld id="{D3AA9CE1-A5EA-8E4B-A2C6-12FEC9075F81}" type="datetimeFigureOut">
               <a:rPr lang="en-US" smtClean="0"/>
-              <a:t>11/17/21</a:t>
+              <a:t>11/19/21</a:t>
             </a:fld>
             <a:endParaRPr lang="en-US"/>
           </a:p>
@@ -4978,7 +4983,7 @@
           <a:p>
             <a:fld id="{D3AA9CE1-A5EA-8E4B-A2C6-12FEC9075F81}" type="datetimeFigureOut">
               <a:rPr lang="en-US" smtClean="0"/>
-              <a:t>11/17/21</a:t>
+              <a:t>11/19/21</a:t>
             </a:fld>
             <a:endParaRPr lang="en-US"/>
           </a:p>
@@ -5337,7 +5342,7 @@
           <a:p>
             <a:fld id="{D3AA9CE1-A5EA-8E4B-A2C6-12FEC9075F81}" type="datetimeFigureOut">
               <a:rPr lang="en-US" smtClean="0"/>
-              <a:t>11/17/21</a:t>
+              <a:t>11/19/21</a:t>
             </a:fld>
             <a:endParaRPr lang="en-US"/>
           </a:p>
@@ -5478,7 +5483,7 @@
           <a:p>
             <a:fld id="{D3AA9CE1-A5EA-8E4B-A2C6-12FEC9075F81}" type="datetimeFigureOut">
               <a:rPr lang="en-US" smtClean="0"/>
-              <a:t>11/17/21</a:t>
+              <a:t>11/19/21</a:t>
             </a:fld>
             <a:endParaRPr lang="en-US"/>
           </a:p>
@@ -5573,7 +5578,7 @@
           <a:p>
             <a:fld id="{D3AA9CE1-A5EA-8E4B-A2C6-12FEC9075F81}" type="datetimeFigureOut">
               <a:rPr lang="en-US" smtClean="0"/>
-              <a:t>11/17/21</a:t>
+              <a:t>11/19/21</a:t>
             </a:fld>
             <a:endParaRPr lang="en-US"/>
           </a:p>
@@ -5930,7 +5935,7 @@
           <a:p>
             <a:fld id="{D3AA9CE1-A5EA-8E4B-A2C6-12FEC9075F81}" type="datetimeFigureOut">
               <a:rPr lang="en-US" smtClean="0"/>
-              <a:t>11/17/21</a:t>
+              <a:t>11/19/21</a:t>
             </a:fld>
             <a:endParaRPr lang="en-US"/>
           </a:p>
@@ -6287,7 +6292,7 @@
           <a:p>
             <a:fld id="{D3AA9CE1-A5EA-8E4B-A2C6-12FEC9075F81}" type="datetimeFigureOut">
               <a:rPr lang="en-US" smtClean="0"/>
-              <a:t>11/17/21</a:t>
+              <a:t>11/19/21</a:t>
             </a:fld>
             <a:endParaRPr lang="en-US"/>
           </a:p>
@@ -6529,7 +6534,7 @@
           <a:p>
             <a:fld id="{D3AA9CE1-A5EA-8E4B-A2C6-12FEC9075F81}" type="datetimeFigureOut">
               <a:rPr lang="en-US" smtClean="0"/>
-              <a:t>11/17/21</a:t>
+              <a:t>11/19/21</a:t>
             </a:fld>
             <a:endParaRPr lang="en-US"/>
           </a:p>
@@ -7670,7 +7675,7 @@
           <a:p>
             <a:r>
               <a:rPr lang="en-US" sz="2400" dirty="0"/>
-              <a:t>Provided by the Guangzhou Women and Children’s Medical Center.</a:t>
+              <a:t>Guangzhou Women and Children’s Medical Center.</a:t>
             </a:r>
           </a:p>
           <a:p>
@@ -7800,6 +7805,14 @@
           <a:p>
             <a:pPr lvl="1"/>
             <a:r>
+              <a:rPr lang="en-US" sz="2200" dirty="0"/>
+              <a:t>Needed to reduce false negatives.</a:t>
+            </a:r>
+            <a:endParaRPr lang="en-US" sz="2400" dirty="0"/>
+          </a:p>
+          <a:p>
+            <a:pPr lvl="1"/>
+            <a:r>
               <a:rPr lang="en-US" sz="2400" dirty="0"/>
               <a:t>Allowed a precision score to be obtained.</a:t>
             </a:r>
@@ -7808,21 +7821,14 @@
             <a:pPr lvl="1"/>
             <a:r>
               <a:rPr lang="en-US" sz="2400" dirty="0"/>
-              <a:t>Needed to reduce false negatives.</a:t>
+              <a:t>Precision score for predicting normal: 90%.</a:t>
             </a:r>
           </a:p>
           <a:p>
             <a:pPr lvl="1"/>
             <a:r>
               <a:rPr lang="en-US" sz="2400" dirty="0"/>
-              <a:t>Precision score for predicting normal: 88%.</a:t>
-            </a:r>
-          </a:p>
-          <a:p>
-            <a:pPr lvl="1"/>
-            <a:r>
-              <a:rPr lang="en-US" sz="2400" dirty="0"/>
-              <a:t>Precision score for predicting pneumonia: 89%</a:t>
+              <a:t>Precision score for predicting pneumonia: 82%</a:t>
             </a:r>
           </a:p>
           <a:p>
